--- a/Data Science Portfolio/Sales Forecast for Superstore/Sales_Forecast_Presentation.pptx
+++ b/Data Science Portfolio/Sales Forecast for Superstore/Sales_Forecast_Presentation.pptx
@@ -1869,7 +1869,7 @@
         <a:p>
           <a:r>
             <a:rPr lang="en-US" dirty="0"/>
-            <a:t>Assumptions and Limitations</a:t>
+            <a:t>Assumptions / Limitations / Future Usage</a:t>
           </a:r>
         </a:p>
       </dgm:t>
@@ -1886,42 +1886,6 @@
       </dgm:t>
     </dgm:pt>
     <dgm:pt modelId="{96843862-860D-4D2E-896A-BEFEF11EA013}" type="sibTrans" cxnId="{9B06A85E-7FDA-41E4-ACFA-FC467BB5AC88}">
-      <dgm:prSet/>
-      <dgm:spPr/>
-      <dgm:t>
-        <a:bodyPr/>
-        <a:lstStyle/>
-        <a:p>
-          <a:endParaRPr lang="en-US"/>
-        </a:p>
-      </dgm:t>
-    </dgm:pt>
-    <dgm:pt modelId="{FF34C3C0-3CA4-48CC-A289-84180EF9014A}">
-      <dgm:prSet/>
-      <dgm:spPr/>
-      <dgm:t>
-        <a:bodyPr/>
-        <a:lstStyle/>
-        <a:p>
-          <a:r>
-            <a:rPr lang="en-US" dirty="0"/>
-            <a:t>Future Usage and Recommendations</a:t>
-          </a:r>
-        </a:p>
-      </dgm:t>
-    </dgm:pt>
-    <dgm:pt modelId="{FED18A79-E5D7-4248-A2B8-FF850CE1EB77}" type="parTrans" cxnId="{CB5085D2-C8E2-4576-BC68-67CA66FC92B4}">
-      <dgm:prSet/>
-      <dgm:spPr/>
-      <dgm:t>
-        <a:bodyPr/>
-        <a:lstStyle/>
-        <a:p>
-          <a:endParaRPr lang="en-US"/>
-        </a:p>
-      </dgm:t>
-    </dgm:pt>
-    <dgm:pt modelId="{3B2CA01C-32D4-4956-B923-89C87747E073}" type="sibTrans" cxnId="{CB5085D2-C8E2-4576-BC68-67CA66FC92B4}">
       <dgm:prSet/>
       <dgm:spPr/>
       <dgm:t>
@@ -1978,7 +1942,7 @@
       <dgm:spPr/>
     </dgm:pt>
     <dgm:pt modelId="{A1538DEC-7CAF-4374-BA97-F97FD7A005A2}" type="pres">
-      <dgm:prSet presAssocID="{8DF8276F-FA1C-477E-B38F-AFB9AC3E7B6A}" presName="parentText" presStyleLbl="node1" presStyleIdx="0" presStyleCnt="8">
+      <dgm:prSet presAssocID="{8DF8276F-FA1C-477E-B38F-AFB9AC3E7B6A}" presName="parentText" presStyleLbl="node1" presStyleIdx="0" presStyleCnt="7">
         <dgm:presLayoutVars>
           <dgm:chMax val="0"/>
           <dgm:bulletEnabled val="1"/>
@@ -1991,7 +1955,7 @@
       <dgm:spPr/>
     </dgm:pt>
     <dgm:pt modelId="{EE0C1D26-D677-478C-97C4-D89247DD9C96}" type="pres">
-      <dgm:prSet presAssocID="{52B43B9A-0FD7-48BE-8027-47E10B63A850}" presName="parentText" presStyleLbl="node1" presStyleIdx="1" presStyleCnt="8">
+      <dgm:prSet presAssocID="{52B43B9A-0FD7-48BE-8027-47E10B63A850}" presName="parentText" presStyleLbl="node1" presStyleIdx="1" presStyleCnt="7">
         <dgm:presLayoutVars>
           <dgm:chMax val="0"/>
           <dgm:bulletEnabled val="1"/>
@@ -2004,7 +1968,7 @@
       <dgm:spPr/>
     </dgm:pt>
     <dgm:pt modelId="{07353FDB-AA2E-40A4-829A-996DD9AD5E58}" type="pres">
-      <dgm:prSet presAssocID="{9C6AEDE7-3E7E-4242-9EAF-E6899745EE27}" presName="parentText" presStyleLbl="node1" presStyleIdx="2" presStyleCnt="8">
+      <dgm:prSet presAssocID="{9C6AEDE7-3E7E-4242-9EAF-E6899745EE27}" presName="parentText" presStyleLbl="node1" presStyleIdx="2" presStyleCnt="7">
         <dgm:presLayoutVars>
           <dgm:chMax val="0"/>
           <dgm:bulletEnabled val="1"/>
@@ -2017,7 +1981,7 @@
       <dgm:spPr/>
     </dgm:pt>
     <dgm:pt modelId="{0AA04EE8-B4FF-4F4E-A446-A232D217DC70}" type="pres">
-      <dgm:prSet presAssocID="{2177CC2F-2D32-4149-8EBC-ABA0147D579A}" presName="parentText" presStyleLbl="node1" presStyleIdx="3" presStyleCnt="8">
+      <dgm:prSet presAssocID="{2177CC2F-2D32-4149-8EBC-ABA0147D579A}" presName="parentText" presStyleLbl="node1" presStyleIdx="3" presStyleCnt="7">
         <dgm:presLayoutVars>
           <dgm:chMax val="0"/>
           <dgm:bulletEnabled val="1"/>
@@ -2030,7 +1994,7 @@
       <dgm:spPr/>
     </dgm:pt>
     <dgm:pt modelId="{5A815C78-9A3F-4F1B-A599-A6034F3265CE}" type="pres">
-      <dgm:prSet presAssocID="{18527A26-0DB5-49D4-A728-142886BF4F20}" presName="parentText" presStyleLbl="node1" presStyleIdx="4" presStyleCnt="8">
+      <dgm:prSet presAssocID="{18527A26-0DB5-49D4-A728-142886BF4F20}" presName="parentText" presStyleLbl="node1" presStyleIdx="4" presStyleCnt="7">
         <dgm:presLayoutVars>
           <dgm:chMax val="0"/>
           <dgm:bulletEnabled val="1"/>
@@ -2043,7 +2007,7 @@
       <dgm:spPr/>
     </dgm:pt>
     <dgm:pt modelId="{4DF54A84-14C0-4ABC-816E-CD1D5E76E4B2}" type="pres">
-      <dgm:prSet presAssocID="{00960824-CE53-4080-9FC7-E719FE418D2A}" presName="parentText" presStyleLbl="node1" presStyleIdx="5" presStyleCnt="8">
+      <dgm:prSet presAssocID="{00960824-CE53-4080-9FC7-E719FE418D2A}" presName="parentText" presStyleLbl="node1" presStyleIdx="5" presStyleCnt="7">
         <dgm:presLayoutVars>
           <dgm:chMax val="0"/>
           <dgm:bulletEnabled val="1"/>
@@ -2055,21 +2019,8 @@
       <dgm:prSet presAssocID="{96843862-860D-4D2E-896A-BEFEF11EA013}" presName="spacer" presStyleCnt="0"/>
       <dgm:spPr/>
     </dgm:pt>
-    <dgm:pt modelId="{666AA029-7D0F-4D0F-A7C6-CFA885BBE624}" type="pres">
-      <dgm:prSet presAssocID="{FF34C3C0-3CA4-48CC-A289-84180EF9014A}" presName="parentText" presStyleLbl="node1" presStyleIdx="6" presStyleCnt="8">
-        <dgm:presLayoutVars>
-          <dgm:chMax val="0"/>
-          <dgm:bulletEnabled val="1"/>
-        </dgm:presLayoutVars>
-      </dgm:prSet>
-      <dgm:spPr/>
-    </dgm:pt>
-    <dgm:pt modelId="{BF6F7177-39CC-41D0-A175-908B350862C4}" type="pres">
-      <dgm:prSet presAssocID="{3B2CA01C-32D4-4956-B923-89C87747E073}" presName="spacer" presStyleCnt="0"/>
-      <dgm:spPr/>
-    </dgm:pt>
     <dgm:pt modelId="{D67CB591-67A8-4495-9F36-49F5799F8795}" type="pres">
-      <dgm:prSet presAssocID="{EA355022-1150-4E29-915D-E9DB71FC368B}" presName="parentText" presStyleLbl="node1" presStyleIdx="7" presStyleCnt="8">
+      <dgm:prSet presAssocID="{EA355022-1150-4E29-915D-E9DB71FC368B}" presName="parentText" presStyleLbl="node1" presStyleIdx="6" presStyleCnt="7">
         <dgm:presLayoutVars>
           <dgm:chMax val="0"/>
           <dgm:bulletEnabled val="1"/>
@@ -2091,9 +2042,7 @@
     <dgm:cxn modelId="{2B1DBB9A-7D13-422B-AB82-DBA2BDF9C100}" srcId="{0BC1AB2F-19C7-43B3-9CC3-62695CC6B502}" destId="{18527A26-0DB5-49D4-A728-142886BF4F20}" srcOrd="4" destOrd="0" parTransId="{0D837A1D-A48E-45E2-B4F9-92673C4A935E}" sibTransId="{DC7A7A77-2193-41BE-BFB0-C758E2C66318}"/>
     <dgm:cxn modelId="{BA8382A1-5CBF-4951-9762-5C9788746BA9}" srcId="{0BC1AB2F-19C7-43B3-9CC3-62695CC6B502}" destId="{9C6AEDE7-3E7E-4242-9EAF-E6899745EE27}" srcOrd="2" destOrd="0" parTransId="{6260BC19-B666-41A4-A5C1-B90A3E528F04}" sibTransId="{036912FE-3710-4DEE-83FC-6B16F545CB36}"/>
     <dgm:cxn modelId="{ABA6B9B6-629C-49EC-8DD2-EB7061DF2D8C}" type="presOf" srcId="{EA355022-1150-4E29-915D-E9DB71FC368B}" destId="{D67CB591-67A8-4495-9F36-49F5799F8795}" srcOrd="0" destOrd="0" presId="urn:microsoft.com/office/officeart/2005/8/layout/vList2"/>
-    <dgm:cxn modelId="{5DEB58C0-3EEE-4732-8DDC-E4739927998D}" srcId="{0BC1AB2F-19C7-43B3-9CC3-62695CC6B502}" destId="{EA355022-1150-4E29-915D-E9DB71FC368B}" srcOrd="7" destOrd="0" parTransId="{D402F2A5-79AC-4420-B7AF-A1AF470DB16D}" sibTransId="{03E79D66-9D8E-4EA9-9581-000E6AFFE9D4}"/>
-    <dgm:cxn modelId="{7EA9D5C8-096F-4CEC-8E4B-B99D40160F0D}" type="presOf" srcId="{FF34C3C0-3CA4-48CC-A289-84180EF9014A}" destId="{666AA029-7D0F-4D0F-A7C6-CFA885BBE624}" srcOrd="0" destOrd="0" presId="urn:microsoft.com/office/officeart/2005/8/layout/vList2"/>
-    <dgm:cxn modelId="{CB5085D2-C8E2-4576-BC68-67CA66FC92B4}" srcId="{0BC1AB2F-19C7-43B3-9CC3-62695CC6B502}" destId="{FF34C3C0-3CA4-48CC-A289-84180EF9014A}" srcOrd="6" destOrd="0" parTransId="{FED18A79-E5D7-4248-A2B8-FF850CE1EB77}" sibTransId="{3B2CA01C-32D4-4956-B923-89C87747E073}"/>
+    <dgm:cxn modelId="{5DEB58C0-3EEE-4732-8DDC-E4739927998D}" srcId="{0BC1AB2F-19C7-43B3-9CC3-62695CC6B502}" destId="{EA355022-1150-4E29-915D-E9DB71FC368B}" srcOrd="6" destOrd="0" parTransId="{D402F2A5-79AC-4420-B7AF-A1AF470DB16D}" sibTransId="{03E79D66-9D8E-4EA9-9581-000E6AFFE9D4}"/>
     <dgm:cxn modelId="{4F2F8EEC-F168-45EB-BF24-6D76C517C49C}" type="presOf" srcId="{2177CC2F-2D32-4149-8EBC-ABA0147D579A}" destId="{0AA04EE8-B4FF-4F4E-A446-A232D217DC70}" srcOrd="0" destOrd="0" presId="urn:microsoft.com/office/officeart/2005/8/layout/vList2"/>
     <dgm:cxn modelId="{380269F4-B3BE-4109-BCB9-2125A80B1A7B}" type="presOf" srcId="{8DF8276F-FA1C-477E-B38F-AFB9AC3E7B6A}" destId="{A1538DEC-7CAF-4374-BA97-F97FD7A005A2}" srcOrd="0" destOrd="0" presId="urn:microsoft.com/office/officeart/2005/8/layout/vList2"/>
     <dgm:cxn modelId="{40171B3E-F8F8-4CA7-94E1-886D0D798238}" type="presParOf" srcId="{AEF14B19-2FDB-4404-8567-259752C523D5}" destId="{A1538DEC-7CAF-4374-BA97-F97FD7A005A2}" srcOrd="0" destOrd="0" presId="urn:microsoft.com/office/officeart/2005/8/layout/vList2"/>
@@ -2108,9 +2057,7 @@
     <dgm:cxn modelId="{006761BB-07F6-4942-8AE4-B0B122C41555}" type="presParOf" srcId="{AEF14B19-2FDB-4404-8567-259752C523D5}" destId="{B92F6009-B1A1-4AC1-9A9E-E57EC497CCEB}" srcOrd="9" destOrd="0" presId="urn:microsoft.com/office/officeart/2005/8/layout/vList2"/>
     <dgm:cxn modelId="{5671184F-AF04-4F79-8321-606F99C8B377}" type="presParOf" srcId="{AEF14B19-2FDB-4404-8567-259752C523D5}" destId="{4DF54A84-14C0-4ABC-816E-CD1D5E76E4B2}" srcOrd="10" destOrd="0" presId="urn:microsoft.com/office/officeart/2005/8/layout/vList2"/>
     <dgm:cxn modelId="{06AD7FAD-3FF1-4A3E-940D-220D79F0739A}" type="presParOf" srcId="{AEF14B19-2FDB-4404-8567-259752C523D5}" destId="{9FF8E1B3-AB84-4A76-A108-9D4CFF041758}" srcOrd="11" destOrd="0" presId="urn:microsoft.com/office/officeart/2005/8/layout/vList2"/>
-    <dgm:cxn modelId="{82A5E125-6779-400E-9956-6061B85C8112}" type="presParOf" srcId="{AEF14B19-2FDB-4404-8567-259752C523D5}" destId="{666AA029-7D0F-4D0F-A7C6-CFA885BBE624}" srcOrd="12" destOrd="0" presId="urn:microsoft.com/office/officeart/2005/8/layout/vList2"/>
-    <dgm:cxn modelId="{06EA167D-B5A6-43D7-9DA5-09830C437B56}" type="presParOf" srcId="{AEF14B19-2FDB-4404-8567-259752C523D5}" destId="{BF6F7177-39CC-41D0-A175-908B350862C4}" srcOrd="13" destOrd="0" presId="urn:microsoft.com/office/officeart/2005/8/layout/vList2"/>
-    <dgm:cxn modelId="{9111881A-8779-4505-A35C-317C1E802AF2}" type="presParOf" srcId="{AEF14B19-2FDB-4404-8567-259752C523D5}" destId="{D67CB591-67A8-4495-9F36-49F5799F8795}" srcOrd="14" destOrd="0" presId="urn:microsoft.com/office/officeart/2005/8/layout/vList2"/>
+    <dgm:cxn modelId="{9111881A-8779-4505-A35C-317C1E802AF2}" type="presParOf" srcId="{AEF14B19-2FDB-4404-8567-259752C523D5}" destId="{D67CB591-67A8-4495-9F36-49F5799F8795}" srcOrd="12" destOrd="0" presId="urn:microsoft.com/office/officeart/2005/8/layout/vList2"/>
   </dgm:cxnLst>
   <dgm:bg/>
   <dgm:whole/>
@@ -2339,8 +2286,8 @@
       </dsp:nvSpPr>
       <dsp:spPr>
         <a:xfrm>
-          <a:off x="0" y="46914"/>
-          <a:ext cx="5948831" cy="479700"/>
+          <a:off x="0" y="37801"/>
+          <a:ext cx="5948831" cy="551655"/>
         </a:xfrm>
         <a:prstGeom prst="roundRect">
           <a:avLst/>
@@ -2382,12 +2329,12 @@
         </a:fontRef>
       </dsp:style>
       <dsp:txBody>
-        <a:bodyPr spcFirstLastPara="0" vert="horz" wrap="square" lIns="76200" tIns="76200" rIns="76200" bIns="76200" numCol="1" spcCol="1270" anchor="ctr" anchorCtr="0">
+        <a:bodyPr spcFirstLastPara="0" vert="horz" wrap="square" lIns="87630" tIns="87630" rIns="87630" bIns="87630" numCol="1" spcCol="1270" anchor="ctr" anchorCtr="0">
           <a:noAutofit/>
         </a:bodyPr>
         <a:lstStyle/>
         <a:p>
-          <a:pPr marL="0" lvl="0" indent="0" algn="l" defTabSz="889000">
+          <a:pPr marL="0" lvl="0" indent="0" algn="l" defTabSz="1022350">
             <a:lnSpc>
               <a:spcPct val="90000"/>
             </a:lnSpc>
@@ -2400,23 +2347,23 @@
             <a:buNone/>
           </a:pPr>
           <a:r>
-            <a:rPr lang="en-US" sz="2000" kern="1200" dirty="0"/>
+            <a:rPr lang="en-US" sz="2300" kern="1200" dirty="0"/>
             <a:t>Business Problem and </a:t>
           </a:r>
           <a:r>
-            <a:rPr lang="en-US" sz="2000" kern="1200" dirty="0">
+            <a:rPr lang="en-US" sz="2300" kern="1200" dirty="0">
               <a:solidFill>
                 <a:srgbClr val="FFFFFF"/>
               </a:solidFill>
             </a:rPr>
             <a:t>Background</a:t>
           </a:r>
-          <a:endParaRPr lang="en-US" sz="2000" kern="1200" dirty="0"/>
+          <a:endParaRPr lang="en-US" sz="2300" kern="1200" dirty="0"/>
         </a:p>
       </dsp:txBody>
       <dsp:txXfrm>
-        <a:off x="23417" y="70331"/>
-        <a:ext cx="5901997" cy="432866"/>
+        <a:off x="26930" y="64731"/>
+        <a:ext cx="5894971" cy="497795"/>
       </dsp:txXfrm>
     </dsp:sp>
     <dsp:sp modelId="{EE0C1D26-D677-478C-97C4-D89247DD9C96}">
@@ -2426,8 +2373,8 @@
       </dsp:nvSpPr>
       <dsp:spPr>
         <a:xfrm>
-          <a:off x="0" y="584214"/>
-          <a:ext cx="5948831" cy="479700"/>
+          <a:off x="0" y="655696"/>
+          <a:ext cx="5948831" cy="551655"/>
         </a:xfrm>
         <a:prstGeom prst="roundRect">
           <a:avLst/>
@@ -2469,12 +2416,12 @@
         </a:fontRef>
       </dsp:style>
       <dsp:txBody>
-        <a:bodyPr spcFirstLastPara="0" vert="horz" wrap="square" lIns="76200" tIns="76200" rIns="76200" bIns="76200" numCol="1" spcCol="1270" anchor="ctr" anchorCtr="0">
+        <a:bodyPr spcFirstLastPara="0" vert="horz" wrap="square" lIns="87630" tIns="87630" rIns="87630" bIns="87630" numCol="1" spcCol="1270" anchor="ctr" anchorCtr="0">
           <a:noAutofit/>
         </a:bodyPr>
         <a:lstStyle/>
         <a:p>
-          <a:pPr marL="0" lvl="0" indent="0" algn="l" defTabSz="889000">
+          <a:pPr marL="0" lvl="0" indent="0" algn="l" defTabSz="1022350">
             <a:lnSpc>
               <a:spcPct val="90000"/>
             </a:lnSpc>
@@ -2487,14 +2434,14 @@
             <a:buNone/>
           </a:pPr>
           <a:r>
-            <a:rPr lang="en-US" sz="2000" kern="1200" dirty="0"/>
+            <a:rPr lang="en-US" sz="2300" kern="1200" dirty="0"/>
             <a:t>Data Explanation and Preparation</a:t>
           </a:r>
         </a:p>
       </dsp:txBody>
       <dsp:txXfrm>
-        <a:off x="23417" y="607631"/>
-        <a:ext cx="5901997" cy="432866"/>
+        <a:off x="26930" y="682626"/>
+        <a:ext cx="5894971" cy="497795"/>
       </dsp:txXfrm>
     </dsp:sp>
     <dsp:sp modelId="{07353FDB-AA2E-40A4-829A-996DD9AD5E58}">
@@ -2504,8 +2451,8 @@
       </dsp:nvSpPr>
       <dsp:spPr>
         <a:xfrm>
-          <a:off x="0" y="1121514"/>
-          <a:ext cx="5948831" cy="479700"/>
+          <a:off x="0" y="1273591"/>
+          <a:ext cx="5948831" cy="551655"/>
         </a:xfrm>
         <a:prstGeom prst="roundRect">
           <a:avLst/>
@@ -2547,12 +2494,12 @@
         </a:fontRef>
       </dsp:style>
       <dsp:txBody>
-        <a:bodyPr spcFirstLastPara="0" vert="horz" wrap="square" lIns="76200" tIns="76200" rIns="76200" bIns="76200" numCol="1" spcCol="1270" anchor="ctr" anchorCtr="0">
+        <a:bodyPr spcFirstLastPara="0" vert="horz" wrap="square" lIns="87630" tIns="87630" rIns="87630" bIns="87630" numCol="1" spcCol="1270" anchor="ctr" anchorCtr="0">
           <a:noAutofit/>
         </a:bodyPr>
         <a:lstStyle/>
         <a:p>
-          <a:pPr marL="0" lvl="0" indent="0" algn="l" defTabSz="889000">
+          <a:pPr marL="0" lvl="0" indent="0" algn="l" defTabSz="1022350">
             <a:lnSpc>
               <a:spcPct val="90000"/>
             </a:lnSpc>
@@ -2565,14 +2512,14 @@
             <a:buNone/>
           </a:pPr>
           <a:r>
-            <a:rPr lang="en-US" sz="2000" kern="1200" dirty="0"/>
+            <a:rPr lang="en-US" sz="2300" kern="1200" dirty="0"/>
             <a:t>Feature Analysis and Methods</a:t>
           </a:r>
         </a:p>
       </dsp:txBody>
       <dsp:txXfrm>
-        <a:off x="23417" y="1144931"/>
-        <a:ext cx="5901997" cy="432866"/>
+        <a:off x="26930" y="1300521"/>
+        <a:ext cx="5894971" cy="497795"/>
       </dsp:txXfrm>
     </dsp:sp>
     <dsp:sp modelId="{0AA04EE8-B4FF-4F4E-A446-A232D217DC70}">
@@ -2582,8 +2529,8 @@
       </dsp:nvSpPr>
       <dsp:spPr>
         <a:xfrm>
-          <a:off x="0" y="1658814"/>
-          <a:ext cx="5948831" cy="479700"/>
+          <a:off x="0" y="1891486"/>
+          <a:ext cx="5948831" cy="551655"/>
         </a:xfrm>
         <a:prstGeom prst="roundRect">
           <a:avLst/>
@@ -2625,12 +2572,12 @@
         </a:fontRef>
       </dsp:style>
       <dsp:txBody>
-        <a:bodyPr spcFirstLastPara="0" vert="horz" wrap="square" lIns="76200" tIns="76200" rIns="76200" bIns="76200" numCol="1" spcCol="1270" anchor="ctr" anchorCtr="0">
+        <a:bodyPr spcFirstLastPara="0" vert="horz" wrap="square" lIns="87630" tIns="87630" rIns="87630" bIns="87630" numCol="1" spcCol="1270" anchor="ctr" anchorCtr="0">
           <a:noAutofit/>
         </a:bodyPr>
         <a:lstStyle/>
         <a:p>
-          <a:pPr marL="0" lvl="0" indent="0" algn="l" defTabSz="889000">
+          <a:pPr marL="0" lvl="0" indent="0" algn="l" defTabSz="1022350">
             <a:lnSpc>
               <a:spcPct val="90000"/>
             </a:lnSpc>
@@ -2643,14 +2590,14 @@
             <a:buNone/>
           </a:pPr>
           <a:r>
-            <a:rPr lang="en-US" sz="2000" kern="1200" dirty="0"/>
+            <a:rPr lang="en-US" sz="2300" kern="1200" dirty="0"/>
             <a:t>Machine Learning Models and Evaluation</a:t>
           </a:r>
         </a:p>
       </dsp:txBody>
       <dsp:txXfrm>
-        <a:off x="23417" y="1682231"/>
-        <a:ext cx="5901997" cy="432866"/>
+        <a:off x="26930" y="1918416"/>
+        <a:ext cx="5894971" cy="497795"/>
       </dsp:txXfrm>
     </dsp:sp>
     <dsp:sp modelId="{5A815C78-9A3F-4F1B-A599-A6034F3265CE}">
@@ -2660,8 +2607,8 @@
       </dsp:nvSpPr>
       <dsp:spPr>
         <a:xfrm>
-          <a:off x="0" y="2196114"/>
-          <a:ext cx="5948831" cy="479700"/>
+          <a:off x="0" y="2509382"/>
+          <a:ext cx="5948831" cy="551655"/>
         </a:xfrm>
         <a:prstGeom prst="roundRect">
           <a:avLst/>
@@ -2703,12 +2650,12 @@
         </a:fontRef>
       </dsp:style>
       <dsp:txBody>
-        <a:bodyPr spcFirstLastPara="0" vert="horz" wrap="square" lIns="76200" tIns="76200" rIns="76200" bIns="76200" numCol="1" spcCol="1270" anchor="ctr" anchorCtr="0">
+        <a:bodyPr spcFirstLastPara="0" vert="horz" wrap="square" lIns="87630" tIns="87630" rIns="87630" bIns="87630" numCol="1" spcCol="1270" anchor="ctr" anchorCtr="0">
           <a:noAutofit/>
         </a:bodyPr>
         <a:lstStyle/>
         <a:p>
-          <a:pPr marL="0" lvl="0" indent="0" algn="l" defTabSz="889000">
+          <a:pPr marL="0" lvl="0" indent="0" algn="l" defTabSz="1022350">
             <a:lnSpc>
               <a:spcPct val="90000"/>
             </a:lnSpc>
@@ -2721,14 +2668,14 @@
             <a:buNone/>
           </a:pPr>
           <a:r>
-            <a:rPr lang="en-US" sz="2000" kern="1200" dirty="0"/>
+            <a:rPr lang="en-US" sz="2300" kern="1200" dirty="0"/>
             <a:t>Conclusion</a:t>
           </a:r>
         </a:p>
       </dsp:txBody>
       <dsp:txXfrm>
-        <a:off x="23417" y="2219531"/>
-        <a:ext cx="5901997" cy="432866"/>
+        <a:off x="26930" y="2536312"/>
+        <a:ext cx="5894971" cy="497795"/>
       </dsp:txXfrm>
     </dsp:sp>
     <dsp:sp modelId="{4DF54A84-14C0-4ABC-816E-CD1D5E76E4B2}">
@@ -2738,8 +2685,8 @@
       </dsp:nvSpPr>
       <dsp:spPr>
         <a:xfrm>
-          <a:off x="0" y="2733414"/>
-          <a:ext cx="5948831" cy="479700"/>
+          <a:off x="0" y="3127277"/>
+          <a:ext cx="5948831" cy="551655"/>
         </a:xfrm>
         <a:prstGeom prst="roundRect">
           <a:avLst/>
@@ -2781,12 +2728,12 @@
         </a:fontRef>
       </dsp:style>
       <dsp:txBody>
-        <a:bodyPr spcFirstLastPara="0" vert="horz" wrap="square" lIns="76200" tIns="76200" rIns="76200" bIns="76200" numCol="1" spcCol="1270" anchor="ctr" anchorCtr="0">
+        <a:bodyPr spcFirstLastPara="0" vert="horz" wrap="square" lIns="87630" tIns="87630" rIns="87630" bIns="87630" numCol="1" spcCol="1270" anchor="ctr" anchorCtr="0">
           <a:noAutofit/>
         </a:bodyPr>
         <a:lstStyle/>
         <a:p>
-          <a:pPr marL="0" lvl="0" indent="0" algn="l" defTabSz="889000">
+          <a:pPr marL="0" lvl="0" indent="0" algn="l" defTabSz="1022350">
             <a:lnSpc>
               <a:spcPct val="90000"/>
             </a:lnSpc>
@@ -2799,25 +2746,25 @@
             <a:buNone/>
           </a:pPr>
           <a:r>
-            <a:rPr lang="en-US" sz="2000" kern="1200" dirty="0"/>
-            <a:t>Assumptions and Limitations</a:t>
+            <a:rPr lang="en-US" sz="2300" kern="1200" dirty="0"/>
+            <a:t>Assumptions / Limitations / Future Usage</a:t>
           </a:r>
         </a:p>
       </dsp:txBody>
       <dsp:txXfrm>
-        <a:off x="23417" y="2756831"/>
-        <a:ext cx="5901997" cy="432866"/>
+        <a:off x="26930" y="3154207"/>
+        <a:ext cx="5894971" cy="497795"/>
       </dsp:txXfrm>
     </dsp:sp>
-    <dsp:sp modelId="{666AA029-7D0F-4D0F-A7C6-CFA885BBE624}">
+    <dsp:sp modelId="{D67CB591-67A8-4495-9F36-49F5799F8795}">
       <dsp:nvSpPr>
         <dsp:cNvPr id="0" name=""/>
         <dsp:cNvSpPr/>
       </dsp:nvSpPr>
       <dsp:spPr>
         <a:xfrm>
-          <a:off x="0" y="3270714"/>
-          <a:ext cx="5948831" cy="479700"/>
+          <a:off x="0" y="3745172"/>
+          <a:ext cx="5948831" cy="551655"/>
         </a:xfrm>
         <a:prstGeom prst="roundRect">
           <a:avLst/>
@@ -2859,12 +2806,12 @@
         </a:fontRef>
       </dsp:style>
       <dsp:txBody>
-        <a:bodyPr spcFirstLastPara="0" vert="horz" wrap="square" lIns="76200" tIns="76200" rIns="76200" bIns="76200" numCol="1" spcCol="1270" anchor="ctr" anchorCtr="0">
+        <a:bodyPr spcFirstLastPara="0" vert="horz" wrap="square" lIns="87630" tIns="87630" rIns="87630" bIns="87630" numCol="1" spcCol="1270" anchor="ctr" anchorCtr="0">
           <a:noAutofit/>
         </a:bodyPr>
         <a:lstStyle/>
         <a:p>
-          <a:pPr marL="0" lvl="0" indent="0" algn="l" defTabSz="889000">
+          <a:pPr marL="0" lvl="0" indent="0" algn="l" defTabSz="1022350">
             <a:lnSpc>
               <a:spcPct val="90000"/>
             </a:lnSpc>
@@ -2877,92 +2824,14 @@
             <a:buNone/>
           </a:pPr>
           <a:r>
-            <a:rPr lang="en-US" sz="2000" kern="1200" dirty="0"/>
-            <a:t>Future Usage and Recommendations</a:t>
-          </a:r>
-        </a:p>
-      </dsp:txBody>
-      <dsp:txXfrm>
-        <a:off x="23417" y="3294131"/>
-        <a:ext cx="5901997" cy="432866"/>
-      </dsp:txXfrm>
-    </dsp:sp>
-    <dsp:sp modelId="{D67CB591-67A8-4495-9F36-49F5799F8795}">
-      <dsp:nvSpPr>
-        <dsp:cNvPr id="0" name=""/>
-        <dsp:cNvSpPr/>
-      </dsp:nvSpPr>
-      <dsp:spPr>
-        <a:xfrm>
-          <a:off x="0" y="3808014"/>
-          <a:ext cx="5948831" cy="479700"/>
-        </a:xfrm>
-        <a:prstGeom prst="roundRect">
-          <a:avLst/>
-        </a:prstGeom>
-        <a:solidFill>
-          <a:schemeClr val="accent1">
-            <a:hueOff val="0"/>
-            <a:satOff val="0"/>
-            <a:lumOff val="0"/>
-            <a:alphaOff val="0"/>
-          </a:schemeClr>
-        </a:solidFill>
-        <a:ln w="12700" cap="flat" cmpd="sng" algn="ctr">
-          <a:solidFill>
-            <a:schemeClr val="lt1">
-              <a:hueOff val="0"/>
-              <a:satOff val="0"/>
-              <a:lumOff val="0"/>
-              <a:alphaOff val="0"/>
-            </a:schemeClr>
-          </a:solidFill>
-          <a:prstDash val="solid"/>
-          <a:miter lim="800000"/>
-        </a:ln>
-        <a:effectLst/>
-      </dsp:spPr>
-      <dsp:style>
-        <a:lnRef idx="2">
-          <a:scrgbClr r="0" g="0" b="0"/>
-        </a:lnRef>
-        <a:fillRef idx="1">
-          <a:scrgbClr r="0" g="0" b="0"/>
-        </a:fillRef>
-        <a:effectRef idx="0">
-          <a:scrgbClr r="0" g="0" b="0"/>
-        </a:effectRef>
-        <a:fontRef idx="minor">
-          <a:schemeClr val="lt1"/>
-        </a:fontRef>
-      </dsp:style>
-      <dsp:txBody>
-        <a:bodyPr spcFirstLastPara="0" vert="horz" wrap="square" lIns="76200" tIns="76200" rIns="76200" bIns="76200" numCol="1" spcCol="1270" anchor="ctr" anchorCtr="0">
-          <a:noAutofit/>
-        </a:bodyPr>
-        <a:lstStyle/>
-        <a:p>
-          <a:pPr marL="0" lvl="0" indent="0" algn="l" defTabSz="889000">
-            <a:lnSpc>
-              <a:spcPct val="90000"/>
-            </a:lnSpc>
-            <a:spcBef>
-              <a:spcPct val="0"/>
-            </a:spcBef>
-            <a:spcAft>
-              <a:spcPct val="35000"/>
-            </a:spcAft>
-            <a:buNone/>
-          </a:pPr>
-          <a:r>
-            <a:rPr lang="en-US" sz="2000" kern="1200" dirty="0"/>
+            <a:rPr lang="en-US" sz="2300" kern="1200" dirty="0"/>
             <a:t>References</a:t>
           </a:r>
         </a:p>
       </dsp:txBody>
       <dsp:txXfrm>
-        <a:off x="23417" y="3831431"/>
-        <a:ext cx="5901997" cy="432866"/>
+        <a:off x="26930" y="3772102"/>
+        <a:ext cx="5894971" cy="497795"/>
       </dsp:txXfrm>
     </dsp:sp>
   </dsp:spTree>
@@ -5731,7 +5600,7 @@
           <a:p>
             <a:fld id="{EED1C14C-A143-42F5-B247-D0E800131009}" type="datetimeFigureOut">
               <a:rPr lang="en-US" smtClean="0"/>
-              <a:t>2/6/2022</a:t>
+              <a:t>2/7/2022</a:t>
             </a:fld>
             <a:endParaRPr lang="en-US"/>
           </a:p>
@@ -5929,7 +5798,7 @@
           <a:p>
             <a:fld id="{EED1C14C-A143-42F5-B247-D0E800131009}" type="datetimeFigureOut">
               <a:rPr lang="en-US" smtClean="0"/>
-              <a:t>2/6/2022</a:t>
+              <a:t>2/7/2022</a:t>
             </a:fld>
             <a:endParaRPr lang="en-US"/>
           </a:p>
@@ -6137,7 +6006,7 @@
           <a:p>
             <a:fld id="{EED1C14C-A143-42F5-B247-D0E800131009}" type="datetimeFigureOut">
               <a:rPr lang="en-US" smtClean="0"/>
-              <a:t>2/6/2022</a:t>
+              <a:t>2/7/2022</a:t>
             </a:fld>
             <a:endParaRPr lang="en-US"/>
           </a:p>
@@ -6335,7 +6204,7 @@
           <a:p>
             <a:fld id="{EED1C14C-A143-42F5-B247-D0E800131009}" type="datetimeFigureOut">
               <a:rPr lang="en-US" smtClean="0"/>
-              <a:t>2/6/2022</a:t>
+              <a:t>2/7/2022</a:t>
             </a:fld>
             <a:endParaRPr lang="en-US"/>
           </a:p>
@@ -6610,7 +6479,7 @@
           <a:p>
             <a:fld id="{EED1C14C-A143-42F5-B247-D0E800131009}" type="datetimeFigureOut">
               <a:rPr lang="en-US" smtClean="0"/>
-              <a:t>2/6/2022</a:t>
+              <a:t>2/7/2022</a:t>
             </a:fld>
             <a:endParaRPr lang="en-US"/>
           </a:p>
@@ -6875,7 +6744,7 @@
           <a:p>
             <a:fld id="{EED1C14C-A143-42F5-B247-D0E800131009}" type="datetimeFigureOut">
               <a:rPr lang="en-US" smtClean="0"/>
-              <a:t>2/6/2022</a:t>
+              <a:t>2/7/2022</a:t>
             </a:fld>
             <a:endParaRPr lang="en-US"/>
           </a:p>
@@ -7287,7 +7156,7 @@
           <a:p>
             <a:fld id="{EED1C14C-A143-42F5-B247-D0E800131009}" type="datetimeFigureOut">
               <a:rPr lang="en-US" smtClean="0"/>
-              <a:t>2/6/2022</a:t>
+              <a:t>2/7/2022</a:t>
             </a:fld>
             <a:endParaRPr lang="en-US"/>
           </a:p>
@@ -7428,7 +7297,7 @@
           <a:p>
             <a:fld id="{EED1C14C-A143-42F5-B247-D0E800131009}" type="datetimeFigureOut">
               <a:rPr lang="en-US" smtClean="0"/>
-              <a:t>2/6/2022</a:t>
+              <a:t>2/7/2022</a:t>
             </a:fld>
             <a:endParaRPr lang="en-US"/>
           </a:p>
@@ -7541,7 +7410,7 @@
           <a:p>
             <a:fld id="{EED1C14C-A143-42F5-B247-D0E800131009}" type="datetimeFigureOut">
               <a:rPr lang="en-US" smtClean="0"/>
-              <a:t>2/6/2022</a:t>
+              <a:t>2/7/2022</a:t>
             </a:fld>
             <a:endParaRPr lang="en-US"/>
           </a:p>
@@ -7852,7 +7721,7 @@
           <a:p>
             <a:fld id="{EED1C14C-A143-42F5-B247-D0E800131009}" type="datetimeFigureOut">
               <a:rPr lang="en-US" smtClean="0"/>
-              <a:t>2/6/2022</a:t>
+              <a:t>2/7/2022</a:t>
             </a:fld>
             <a:endParaRPr lang="en-US"/>
           </a:p>
@@ -8140,7 +8009,7 @@
           <a:p>
             <a:fld id="{EED1C14C-A143-42F5-B247-D0E800131009}" type="datetimeFigureOut">
               <a:rPr lang="en-US" smtClean="0"/>
-              <a:t>2/6/2022</a:t>
+              <a:t>2/7/2022</a:t>
             </a:fld>
             <a:endParaRPr lang="en-US"/>
           </a:p>
@@ -8381,7 +8250,7 @@
           <a:p>
             <a:fld id="{EED1C14C-A143-42F5-B247-D0E800131009}" type="datetimeFigureOut">
               <a:rPr lang="en-US" smtClean="0"/>
-              <a:t>2/6/2022</a:t>
+              <a:t>2/7/2022</a:t>
             </a:fld>
             <a:endParaRPr lang="en-US"/>
           </a:p>
@@ -9109,9 +8978,10 @@
               </a:spcAft>
             </a:pPr>
             <a:r>
-              <a:rPr lang="en-US" dirty="0"/>
+              <a:rPr lang="en-US"/>
               <a:t>Pushkar Chougule</a:t>
             </a:r>
+            <a:endParaRPr lang="en-US" dirty="0"/>
           </a:p>
         </p:txBody>
       </p:sp>
@@ -11208,11 +11078,11 @@
   <p:clrMapOvr>
     <a:masterClrMapping/>
   </p:clrMapOvr>
-  <mc:AlternateContent xmlns:mc="http://schemas.openxmlformats.org/markup-compatibility/2006">
-    <mc:Choice xmlns:p14="http://schemas.microsoft.com/office/powerpoint/2010/main" Requires="p14">
+  <mc:AlternateContent xmlns:mc="http://schemas.openxmlformats.org/markup-compatibility/2006" xmlns:p14="http://schemas.microsoft.com/office/powerpoint/2010/main">
+    <mc:Choice Requires="p14">
       <p:transition spd="slow" p14:dur="2000" advTm="37997"/>
     </mc:Choice>
-    <mc:Fallback>
+    <mc:Fallback xmlns="">
       <p:transition spd="slow" advTm="37997"/>
     </mc:Fallback>
   </mc:AlternateContent>
@@ -13421,11 +13291,11 @@
   <p:clrMapOvr>
     <a:masterClrMapping/>
   </p:clrMapOvr>
-  <mc:AlternateContent xmlns:mc="http://schemas.openxmlformats.org/markup-compatibility/2006">
-    <mc:Choice xmlns:p14="http://schemas.microsoft.com/office/powerpoint/2010/main" Requires="p14">
+  <mc:AlternateContent xmlns:mc="http://schemas.openxmlformats.org/markup-compatibility/2006" xmlns:p14="http://schemas.microsoft.com/office/powerpoint/2010/main">
+    <mc:Choice Requires="p14">
       <p:transition spd="slow" p14:dur="2000" advTm="25319"/>
     </mc:Choice>
-    <mc:Fallback>
+    <mc:Fallback xmlns="">
       <p:transition spd="slow" advTm="25319"/>
     </mc:Fallback>
   </mc:AlternateContent>
@@ -16117,7 +15987,7 @@
             <p:ph idx="1"/>
             <p:extLst>
               <p:ext uri="{D42A27DB-BD31-4B8C-83A1-F6EECF244321}">
-                <p14:modId xmlns:p14="http://schemas.microsoft.com/office/powerpoint/2010/main" val="1970349691"/>
+                <p14:modId xmlns:p14="http://schemas.microsoft.com/office/powerpoint/2010/main" val="17846974"/>
               </p:ext>
             </p:extLst>
           </p:nvPr>
@@ -20758,11 +20628,11 @@
   <p:clrMapOvr>
     <a:masterClrMapping/>
   </p:clrMapOvr>
-  <mc:AlternateContent xmlns:mc="http://schemas.openxmlformats.org/markup-compatibility/2006">
-    <mc:Choice xmlns:p14="http://schemas.microsoft.com/office/powerpoint/2010/main" Requires="p14">
+  <mc:AlternateContent xmlns:mc="http://schemas.openxmlformats.org/markup-compatibility/2006" xmlns:p14="http://schemas.microsoft.com/office/powerpoint/2010/main">
+    <mc:Choice Requires="p14">
       <p:transition spd="slow" p14:dur="2000" advTm="36534"/>
     </mc:Choice>
-    <mc:Fallback>
+    <mc:Fallback xmlns="">
       <p:transition spd="slow" advTm="36534"/>
     </mc:Fallback>
   </mc:AlternateContent>

--- a/Data Science Portfolio/Sales Forecast for Superstore/Sales_Forecast_Presentation.pptx
+++ b/Data Science Portfolio/Sales Forecast for Superstore/Sales_Forecast_Presentation.pptx
@@ -13,15 +13,16 @@
     <p:sldId id="284" r:id="rId7"/>
     <p:sldId id="285" r:id="rId8"/>
     <p:sldId id="286" r:id="rId9"/>
-    <p:sldId id="270" r:id="rId10"/>
-    <p:sldId id="277" r:id="rId11"/>
-    <p:sldId id="287" r:id="rId12"/>
-    <p:sldId id="276" r:id="rId13"/>
-    <p:sldId id="288" r:id="rId14"/>
-    <p:sldId id="272" r:id="rId15"/>
-    <p:sldId id="282" r:id="rId16"/>
-    <p:sldId id="273" r:id="rId17"/>
-    <p:sldId id="279" r:id="rId18"/>
+    <p:sldId id="289" r:id="rId10"/>
+    <p:sldId id="270" r:id="rId11"/>
+    <p:sldId id="277" r:id="rId12"/>
+    <p:sldId id="287" r:id="rId13"/>
+    <p:sldId id="276" r:id="rId14"/>
+    <p:sldId id="288" r:id="rId15"/>
+    <p:sldId id="272" r:id="rId16"/>
+    <p:sldId id="282" r:id="rId17"/>
+    <p:sldId id="273" r:id="rId18"/>
+    <p:sldId id="279" r:id="rId19"/>
   </p:sldIdLst>
   <p:sldSz cx="12192000" cy="6858000"/>
   <p:notesSz cx="6858000" cy="9144000"/>
@@ -1761,7 +1762,7 @@
         <a:p>
           <a:r>
             <a:rPr lang="en-US" dirty="0"/>
-            <a:t>Feature Analysis and Methods</a:t>
+            <a:t>Feature Exploration and Methods</a:t>
           </a:r>
         </a:p>
       </dgm:t>
@@ -2138,7 +2139,7 @@
         <a:p>
           <a:r>
             <a:rPr lang="en-US" dirty="0"/>
-            <a:t>Challenges / Limitations : Sales data having occasional spikes causes the predictions to be wide range bound with some errors</a:t>
+            <a:t>Challenges / Limitations : Sales data having occasional spikes causes the sales predictions to be wide range bound and may deviate from actuals</a:t>
           </a:r>
         </a:p>
       </dgm:t>
@@ -2513,7 +2514,7 @@
           </a:pPr>
           <a:r>
             <a:rPr lang="en-US" sz="2300" kern="1200" dirty="0"/>
-            <a:t>Feature Analysis and Methods</a:t>
+            <a:t>Feature Exploration and Methods</a:t>
           </a:r>
         </a:p>
       </dsp:txBody>
@@ -2985,7 +2986,7 @@
           </a:pPr>
           <a:r>
             <a:rPr lang="en-US" sz="2100" kern="1200" dirty="0"/>
-            <a:t>Challenges / Limitations : Sales data having occasional spikes causes the predictions to be wide range bound with some errors</a:t>
+            <a:t>Challenges / Limitations : Sales data having occasional spikes causes the sales predictions to be wide range bound and may deviate from actuals</a:t>
           </a:r>
         </a:p>
       </dsp:txBody>
@@ -9033,6 +9034,234 @@
       </p:grpSpPr>
       <p:sp useBgFill="1">
         <p:nvSpPr>
+          <p:cNvPr id="83" name="Rectangle 82">
+            <a:extLst>
+              <a:ext uri="{FF2B5EF4-FFF2-40B4-BE49-F238E27FC236}">
+                <a16:creationId xmlns:a16="http://schemas.microsoft.com/office/drawing/2014/main" id="{80DF40B2-80F7-4E71-B46C-284163F3654A}"/>
+              </a:ext>
+              <a:ext uri="{C183D7F6-B498-43B3-948B-1728B52AA6E4}">
+                <adec:decorative xmlns:adec="http://schemas.microsoft.com/office/drawing/2017/decorative" val="1"/>
+              </a:ext>
+            </a:extLst>
+          </p:cNvPr>
+          <p:cNvSpPr>
+            <a:spLocks noGrp="1" noRot="1" noChangeAspect="1" noMove="1" noResize="1" noEditPoints="1" noAdjustHandles="1" noChangeArrowheads="1" noChangeShapeType="1" noTextEdit="1"/>
+          </p:cNvSpPr>
+          <p:nvPr>
+            <p:extLst>
+              <p:ext uri="{386F3935-93C4-4BCD-93E2-E3B085C9AB24}">
+                <p16:designElem xmlns:p16="http://schemas.microsoft.com/office/powerpoint/2015/main" val="1"/>
+              </p:ext>
+            </p:extLst>
+          </p:nvPr>
+        </p:nvSpPr>
+        <p:spPr>
+          <a:xfrm>
+            <a:off x="-1" y="0"/>
+            <a:ext cx="12188952" cy="6858000"/>
+          </a:xfrm>
+          <a:prstGeom prst="rect">
+            <a:avLst/>
+          </a:prstGeom>
+          <a:ln>
+            <a:noFill/>
+          </a:ln>
+        </p:spPr>
+        <p:style>
+          <a:lnRef idx="2">
+            <a:schemeClr val="accent1">
+              <a:shade val="50000"/>
+            </a:schemeClr>
+          </a:lnRef>
+          <a:fillRef idx="1">
+            <a:schemeClr val="accent1"/>
+          </a:fillRef>
+          <a:effectRef idx="0">
+            <a:schemeClr val="accent1"/>
+          </a:effectRef>
+          <a:fontRef idx="minor">
+            <a:schemeClr val="lt1"/>
+          </a:fontRef>
+        </p:style>
+        <p:txBody>
+          <a:bodyPr rtlCol="0" anchor="ctr"/>
+          <a:lstStyle/>
+          <a:p>
+            <a:pPr algn="ctr"/>
+            <a:endParaRPr lang="en-US"/>
+          </a:p>
+        </p:txBody>
+      </p:sp>
+      <p:sp>
+        <p:nvSpPr>
+          <p:cNvPr id="2" name="Title 1">
+            <a:extLst>
+              <a:ext uri="{FF2B5EF4-FFF2-40B4-BE49-F238E27FC236}">
+                <a16:creationId xmlns:a16="http://schemas.microsoft.com/office/drawing/2014/main" id="{DEE2B2ED-7605-4B21-96CB-F2D2D3983706}"/>
+              </a:ext>
+            </a:extLst>
+          </p:cNvPr>
+          <p:cNvSpPr>
+            <a:spLocks noGrp="1"/>
+          </p:cNvSpPr>
+          <p:nvPr>
+            <p:ph type="title"/>
+          </p:nvPr>
+        </p:nvSpPr>
+        <p:spPr>
+          <a:xfrm>
+            <a:off x="838199" y="548464"/>
+            <a:ext cx="3807187" cy="2228074"/>
+          </a:xfrm>
+        </p:spPr>
+        <p:txBody>
+          <a:bodyPr vert="horz" lIns="91440" tIns="45720" rIns="91440" bIns="45720" rtlCol="0">
+            <a:normAutofit/>
+          </a:bodyPr>
+          <a:lstStyle/>
+          <a:p>
+            <a:r>
+              <a:rPr lang="en-US" sz="4000" b="1" kern="1200">
+                <a:latin typeface="+mj-lt"/>
+                <a:ea typeface="+mj-ea"/>
+                <a:cs typeface="+mj-cs"/>
+              </a:rPr>
+              <a:t>Machine Learning Models and Evaluation</a:t>
+            </a:r>
+          </a:p>
+        </p:txBody>
+      </p:sp>
+      <p:sp>
+        <p:nvSpPr>
+          <p:cNvPr id="6" name="Content Placeholder 5">
+            <a:extLst>
+              <a:ext uri="{FF2B5EF4-FFF2-40B4-BE49-F238E27FC236}">
+                <a16:creationId xmlns:a16="http://schemas.microsoft.com/office/drawing/2014/main" id="{4F5C6A67-315E-497E-B92D-5421D2FCFC0D}"/>
+              </a:ext>
+            </a:extLst>
+          </p:cNvPr>
+          <p:cNvSpPr>
+            <a:spLocks noGrp="1"/>
+          </p:cNvSpPr>
+          <p:nvPr>
+            <p:ph idx="1"/>
+          </p:nvPr>
+        </p:nvSpPr>
+        <p:spPr>
+          <a:xfrm>
+            <a:off x="838201" y="2962279"/>
+            <a:ext cx="3799425" cy="3143241"/>
+          </a:xfrm>
+        </p:spPr>
+        <p:txBody>
+          <a:bodyPr>
+            <a:normAutofit/>
+          </a:bodyPr>
+          <a:lstStyle/>
+          <a:p>
+            <a:r>
+              <a:rPr lang="en-US" sz="2000"/>
+              <a:t>SARIMA</a:t>
+            </a:r>
+          </a:p>
+          <a:p>
+            <a:r>
+              <a:rPr lang="en-US" sz="2000"/>
+              <a:t>Prophet (fbprophet)</a:t>
+            </a:r>
+          </a:p>
+          <a:p>
+            <a:r>
+              <a:rPr lang="en-US" sz="2000"/>
+              <a:t>Neural Prophet</a:t>
+            </a:r>
+          </a:p>
+          <a:p>
+            <a:r>
+              <a:rPr lang="en-US" sz="2000"/>
+              <a:t>LSTM</a:t>
+            </a:r>
+          </a:p>
+        </p:txBody>
+      </p:sp>
+      <p:pic>
+        <p:nvPicPr>
+          <p:cNvPr id="134" name="Picture 133" descr="Complex maths formulae on a blackboard">
+            <a:extLst>
+              <a:ext uri="{FF2B5EF4-FFF2-40B4-BE49-F238E27FC236}">
+                <a16:creationId xmlns:a16="http://schemas.microsoft.com/office/drawing/2014/main" id="{7F200488-5D58-45E3-867F-B017DD7341EE}"/>
+              </a:ext>
+            </a:extLst>
+          </p:cNvPr>
+          <p:cNvPicPr>
+            <a:picLocks noChangeAspect="1"/>
+          </p:cNvPicPr>
+          <p:nvPr/>
+        </p:nvPicPr>
+        <p:blipFill rotWithShape="1">
+          <a:blip r:embed="rId2"/>
+          <a:srcRect l="15555" r="7999" b="-1"/>
+          <a:stretch/>
+        </p:blipFill>
+        <p:spPr>
+          <a:xfrm>
+            <a:off x="5010386" y="10"/>
+            <a:ext cx="7181613" cy="6857990"/>
+          </a:xfrm>
+          <a:prstGeom prst="rect">
+            <a:avLst/>
+          </a:prstGeom>
+          <a:effectLst/>
+        </p:spPr>
+      </p:pic>
+    </p:spTree>
+    <p:extLst>
+      <p:ext uri="{BB962C8B-B14F-4D97-AF65-F5344CB8AC3E}">
+        <p14:creationId xmlns:p14="http://schemas.microsoft.com/office/powerpoint/2010/main" val="3459576965"/>
+      </p:ext>
+    </p:extLst>
+  </p:cSld>
+  <p:clrMapOvr>
+    <a:masterClrMapping/>
+  </p:clrMapOvr>
+  <mc:AlternateContent xmlns:mc="http://schemas.openxmlformats.org/markup-compatibility/2006" xmlns:p14="http://schemas.microsoft.com/office/powerpoint/2010/main">
+    <mc:Choice Requires="p14">
+      <p:transition spd="slow" p14:dur="2000" advTm="30961"/>
+    </mc:Choice>
+    <mc:Fallback xmlns="">
+      <p:transition spd="slow" advTm="30961"/>
+    </mc:Fallback>
+  </mc:AlternateContent>
+</p:sld>
+</file>
+
+<file path=ppt/slides/slide11.xml><?xml version="1.0" encoding="utf-8"?>
+<p:sld xmlns:a="http://schemas.openxmlformats.org/drawingml/2006/main" xmlns:r="http://schemas.openxmlformats.org/officeDocument/2006/relationships" xmlns:p="http://schemas.openxmlformats.org/presentationml/2006/main">
+  <p:cSld>
+    <p:bg>
+      <p:bgPr>
+        <a:solidFill>
+          <a:schemeClr val="bg1"/>
+        </a:solidFill>
+        <a:effectLst/>
+      </p:bgPr>
+    </p:bg>
+    <p:spTree>
+      <p:nvGrpSpPr>
+        <p:cNvPr id="1" name=""/>
+        <p:cNvGrpSpPr/>
+        <p:nvPr/>
+      </p:nvGrpSpPr>
+      <p:grpSpPr>
+        <a:xfrm>
+          <a:off x="0" y="0"/>
+          <a:ext cx="0" cy="0"/>
+          <a:chOff x="0" y="0"/>
+          <a:chExt cx="0" cy="0"/>
+        </a:xfrm>
+      </p:grpSpPr>
+      <p:sp useBgFill="1">
+        <p:nvSpPr>
           <p:cNvPr id="5139" name="Rectangle 149">
             <a:extLst>
               <a:ext uri="{FF2B5EF4-FFF2-40B4-BE49-F238E27FC236}">
@@ -9492,7 +9721,7 @@
 </p:sld>
 </file>
 
-<file path=ppt/slides/slide11.xml><?xml version="1.0" encoding="utf-8"?>
+<file path=ppt/slides/slide12.xml><?xml version="1.0" encoding="utf-8"?>
 <p:sld xmlns:a="http://schemas.openxmlformats.org/drawingml/2006/main" xmlns:r="http://schemas.openxmlformats.org/officeDocument/2006/relationships" xmlns:p="http://schemas.openxmlformats.org/presentationml/2006/main">
   <p:cSld>
     <p:bg>
@@ -11089,7 +11318,7 @@
 </p:sld>
 </file>
 
-<file path=ppt/slides/slide12.xml><?xml version="1.0" encoding="utf-8"?>
+<file path=ppt/slides/slide13.xml><?xml version="1.0" encoding="utf-8"?>
 <p:sld xmlns:a="http://schemas.openxmlformats.org/drawingml/2006/main" xmlns:r="http://schemas.openxmlformats.org/officeDocument/2006/relationships" xmlns:p="http://schemas.openxmlformats.org/presentationml/2006/main">
   <p:cSld>
     <p:bg>
@@ -11116,10 +11345,10 @@
       </p:grpSpPr>
       <p:sp useBgFill="1">
         <p:nvSpPr>
-          <p:cNvPr id="77" name="Rectangle 76">
+          <p:cNvPr id="7182" name="Rectangle 101">
             <a:extLst>
               <a:ext uri="{FF2B5EF4-FFF2-40B4-BE49-F238E27FC236}">
-                <a16:creationId xmlns:a16="http://schemas.microsoft.com/office/drawing/2014/main" id="{879C64A9-610B-46B7-B372-08C81C5AFBDF}"/>
+                <a16:creationId xmlns:a16="http://schemas.microsoft.com/office/drawing/2014/main" id="{C4879EFC-8E62-4E00-973C-C45EE9EC676D}"/>
               </a:ext>
               <a:ext uri="{C183D7F6-B498-43B3-948B-1728B52AA6E4}">
                 <adec:decorative xmlns:adec="http://schemas.microsoft.com/office/drawing/2017/decorative" val="1"/>
@@ -11192,8 +11421,8 @@
         </p:nvSpPr>
         <p:spPr>
           <a:xfrm>
-            <a:off x="594360" y="1112813"/>
-            <a:ext cx="3734698" cy="3210269"/>
+            <a:off x="638881" y="457200"/>
+            <a:ext cx="10909640" cy="1368614"/>
           </a:xfrm>
         </p:spPr>
         <p:txBody>
@@ -11202,8 +11431,9 @@
           </a:bodyPr>
           <a:lstStyle/>
           <a:p>
+            <a:pPr algn="ctr"/>
             <a:r>
-              <a:rPr lang="en-US" sz="4100"/>
+              <a:rPr lang="en-US" sz="4600"/>
               <a:t>Machine Learning Models and Evaluation (SARIMA model)</a:t>
             </a:r>
           </a:p>
@@ -11211,10 +11441,10 @@
       </p:sp>
       <p:sp>
         <p:nvSpPr>
-          <p:cNvPr id="79" name="Rectangle 78">
+          <p:cNvPr id="7183" name="sketch line">
             <a:extLst>
               <a:ext uri="{FF2B5EF4-FFF2-40B4-BE49-F238E27FC236}">
-                <a16:creationId xmlns:a16="http://schemas.microsoft.com/office/drawing/2014/main" id="{34165AB3-7006-4430-BCE3-25476BE13322}"/>
+                <a16:creationId xmlns:a16="http://schemas.microsoft.com/office/drawing/2014/main" id="{D6A9C53F-5F90-40A5-8C85-5412D39C8C68}"/>
               </a:ext>
               <a:ext uri="{C183D7F6-B498-43B3-948B-1728B52AA6E4}">
                 <adec:decorative xmlns:adec="http://schemas.microsoft.com/office/drawing/2017/decorative" val="1"/>
@@ -11234,19 +11464,237 @@
         </p:nvSpPr>
         <p:spPr>
           <a:xfrm>
-            <a:off x="0" y="5364471"/>
-            <a:ext cx="5291468" cy="1493527"/>
+            <a:off x="4450080" y="1850683"/>
+            <a:ext cx="3291840" cy="18288"/>
           </a:xfrm>
-          <a:prstGeom prst="rect">
+          <a:custGeom>
             <a:avLst/>
-          </a:prstGeom>
+            <a:gdLst>
+              <a:gd name="connsiteX0" fmla="*/ 0 w 3291840"/>
+              <a:gd name="connsiteY0" fmla="*/ 0 h 18288"/>
+              <a:gd name="connsiteX1" fmla="*/ 658368 w 3291840"/>
+              <a:gd name="connsiteY1" fmla="*/ 0 h 18288"/>
+              <a:gd name="connsiteX2" fmla="*/ 1283818 w 3291840"/>
+              <a:gd name="connsiteY2" fmla="*/ 0 h 18288"/>
+              <a:gd name="connsiteX3" fmla="*/ 1909267 w 3291840"/>
+              <a:gd name="connsiteY3" fmla="*/ 0 h 18288"/>
+              <a:gd name="connsiteX4" fmla="*/ 2633472 w 3291840"/>
+              <a:gd name="connsiteY4" fmla="*/ 0 h 18288"/>
+              <a:gd name="connsiteX5" fmla="*/ 3291840 w 3291840"/>
+              <a:gd name="connsiteY5" fmla="*/ 0 h 18288"/>
+              <a:gd name="connsiteX6" fmla="*/ 3291840 w 3291840"/>
+              <a:gd name="connsiteY6" fmla="*/ 18288 h 18288"/>
+              <a:gd name="connsiteX7" fmla="*/ 2633472 w 3291840"/>
+              <a:gd name="connsiteY7" fmla="*/ 18288 h 18288"/>
+              <a:gd name="connsiteX8" fmla="*/ 2073859 w 3291840"/>
+              <a:gd name="connsiteY8" fmla="*/ 18288 h 18288"/>
+              <a:gd name="connsiteX9" fmla="*/ 1448410 w 3291840"/>
+              <a:gd name="connsiteY9" fmla="*/ 18288 h 18288"/>
+              <a:gd name="connsiteX10" fmla="*/ 822960 w 3291840"/>
+              <a:gd name="connsiteY10" fmla="*/ 18288 h 18288"/>
+              <a:gd name="connsiteX11" fmla="*/ 0 w 3291840"/>
+              <a:gd name="connsiteY11" fmla="*/ 18288 h 18288"/>
+              <a:gd name="connsiteX12" fmla="*/ 0 w 3291840"/>
+              <a:gd name="connsiteY12" fmla="*/ 0 h 18288"/>
+            </a:gdLst>
+            <a:ahLst/>
+            <a:cxnLst>
+              <a:cxn ang="0">
+                <a:pos x="connsiteX0" y="connsiteY0"/>
+              </a:cxn>
+              <a:cxn ang="0">
+                <a:pos x="connsiteX1" y="connsiteY1"/>
+              </a:cxn>
+              <a:cxn ang="0">
+                <a:pos x="connsiteX2" y="connsiteY2"/>
+              </a:cxn>
+              <a:cxn ang="0">
+                <a:pos x="connsiteX3" y="connsiteY3"/>
+              </a:cxn>
+              <a:cxn ang="0">
+                <a:pos x="connsiteX4" y="connsiteY4"/>
+              </a:cxn>
+              <a:cxn ang="0">
+                <a:pos x="connsiteX5" y="connsiteY5"/>
+              </a:cxn>
+              <a:cxn ang="0">
+                <a:pos x="connsiteX6" y="connsiteY6"/>
+              </a:cxn>
+              <a:cxn ang="0">
+                <a:pos x="connsiteX7" y="connsiteY7"/>
+              </a:cxn>
+              <a:cxn ang="0">
+                <a:pos x="connsiteX8" y="connsiteY8"/>
+              </a:cxn>
+              <a:cxn ang="0">
+                <a:pos x="connsiteX9" y="connsiteY9"/>
+              </a:cxn>
+              <a:cxn ang="0">
+                <a:pos x="connsiteX10" y="connsiteY10"/>
+              </a:cxn>
+              <a:cxn ang="0">
+                <a:pos x="connsiteX11" y="connsiteY11"/>
+              </a:cxn>
+              <a:cxn ang="0">
+                <a:pos x="connsiteX12" y="connsiteY12"/>
+              </a:cxn>
+            </a:cxnLst>
+            <a:rect l="l" t="t" r="r" b="b"/>
+            <a:pathLst>
+              <a:path w="3291840" h="18288" fill="none" extrusionOk="0">
+                <a:moveTo>
+                  <a:pt x="0" y="0"/>
+                </a:moveTo>
+                <a:cubicBezTo>
+                  <a:pt x="173077" y="-20031"/>
+                  <a:pt x="443104" y="6424"/>
+                  <a:pt x="658368" y="0"/>
+                </a:cubicBezTo>
+                <a:cubicBezTo>
+                  <a:pt x="873632" y="-6424"/>
+                  <a:pt x="1034028" y="11764"/>
+                  <a:pt x="1283818" y="0"/>
+                </a:cubicBezTo>
+                <a:cubicBezTo>
+                  <a:pt x="1533608" y="-11764"/>
+                  <a:pt x="1691227" y="-30112"/>
+                  <a:pt x="1909267" y="0"/>
+                </a:cubicBezTo>
+                <a:cubicBezTo>
+                  <a:pt x="2127307" y="30112"/>
+                  <a:pt x="2272465" y="-18735"/>
+                  <a:pt x="2633472" y="0"/>
+                </a:cubicBezTo>
+                <a:cubicBezTo>
+                  <a:pt x="2994479" y="18735"/>
+                  <a:pt x="3023324" y="-32030"/>
+                  <a:pt x="3291840" y="0"/>
+                </a:cubicBezTo>
+                <a:cubicBezTo>
+                  <a:pt x="3291406" y="7551"/>
+                  <a:pt x="3291373" y="9822"/>
+                  <a:pt x="3291840" y="18288"/>
+                </a:cubicBezTo>
+                <a:cubicBezTo>
+                  <a:pt x="3048445" y="38989"/>
+                  <a:pt x="2846548" y="-14400"/>
+                  <a:pt x="2633472" y="18288"/>
+                </a:cubicBezTo>
+                <a:cubicBezTo>
+                  <a:pt x="2420396" y="50976"/>
+                  <a:pt x="2304099" y="6336"/>
+                  <a:pt x="2073859" y="18288"/>
+                </a:cubicBezTo>
+                <a:cubicBezTo>
+                  <a:pt x="1843619" y="30240"/>
+                  <a:pt x="1706926" y="10778"/>
+                  <a:pt x="1448410" y="18288"/>
+                </a:cubicBezTo>
+                <a:cubicBezTo>
+                  <a:pt x="1189894" y="25798"/>
+                  <a:pt x="1002278" y="8992"/>
+                  <a:pt x="822960" y="18288"/>
+                </a:cubicBezTo>
+                <a:cubicBezTo>
+                  <a:pt x="643642" y="27585"/>
+                  <a:pt x="307039" y="38051"/>
+                  <a:pt x="0" y="18288"/>
+                </a:cubicBezTo>
+                <a:cubicBezTo>
+                  <a:pt x="60" y="11696"/>
+                  <a:pt x="66" y="3758"/>
+                  <a:pt x="0" y="0"/>
+                </a:cubicBezTo>
+                <a:close/>
+              </a:path>
+              <a:path w="3291840" h="18288" stroke="0" extrusionOk="0">
+                <a:moveTo>
+                  <a:pt x="0" y="0"/>
+                </a:moveTo>
+                <a:cubicBezTo>
+                  <a:pt x="195850" y="28018"/>
+                  <a:pt x="434891" y="17390"/>
+                  <a:pt x="592531" y="0"/>
+                </a:cubicBezTo>
+                <a:cubicBezTo>
+                  <a:pt x="750171" y="-17390"/>
+                  <a:pt x="1018709" y="32200"/>
+                  <a:pt x="1316736" y="0"/>
+                </a:cubicBezTo>
+                <a:cubicBezTo>
+                  <a:pt x="1614763" y="-32200"/>
+                  <a:pt x="1696480" y="-11367"/>
+                  <a:pt x="1876349" y="0"/>
+                </a:cubicBezTo>
+                <a:cubicBezTo>
+                  <a:pt x="2056218" y="11367"/>
+                  <a:pt x="2193364" y="13433"/>
+                  <a:pt x="2435962" y="0"/>
+                </a:cubicBezTo>
+                <a:cubicBezTo>
+                  <a:pt x="2678560" y="-13433"/>
+                  <a:pt x="3010901" y="-42367"/>
+                  <a:pt x="3291840" y="0"/>
+                </a:cubicBezTo>
+                <a:cubicBezTo>
+                  <a:pt x="3291758" y="4406"/>
+                  <a:pt x="3291751" y="9982"/>
+                  <a:pt x="3291840" y="18288"/>
+                </a:cubicBezTo>
+                <a:cubicBezTo>
+                  <a:pt x="3108993" y="14228"/>
+                  <a:pt x="2952658" y="46900"/>
+                  <a:pt x="2666390" y="18288"/>
+                </a:cubicBezTo>
+                <a:cubicBezTo>
+                  <a:pt x="2380122" y="-10324"/>
+                  <a:pt x="2263855" y="41055"/>
+                  <a:pt x="2040941" y="18288"/>
+                </a:cubicBezTo>
+                <a:cubicBezTo>
+                  <a:pt x="1818027" y="-4479"/>
+                  <a:pt x="1675097" y="6509"/>
+                  <a:pt x="1415491" y="18288"/>
+                </a:cubicBezTo>
+                <a:cubicBezTo>
+                  <a:pt x="1155885" y="30068"/>
+                  <a:pt x="852976" y="36210"/>
+                  <a:pt x="691286" y="18288"/>
+                </a:cubicBezTo>
+                <a:cubicBezTo>
+                  <a:pt x="529596" y="366"/>
+                  <a:pt x="187183" y="13912"/>
+                  <a:pt x="0" y="18288"/>
+                </a:cubicBezTo>
+                <a:cubicBezTo>
+                  <a:pt x="189" y="14288"/>
+                  <a:pt x="-703" y="3747"/>
+                  <a:pt x="0" y="0"/>
+                </a:cubicBezTo>
+                <a:close/>
+              </a:path>
+            </a:pathLst>
+          </a:custGeom>
           <a:solidFill>
-            <a:schemeClr val="bg1">
-              <a:lumMod val="95000"/>
-            </a:schemeClr>
+            <a:schemeClr val="accent2"/>
           </a:solidFill>
-          <a:ln>
-            <a:noFill/>
+          <a:ln w="41275" cap="rnd">
+            <a:solidFill>
+              <a:schemeClr val="accent2"/>
+            </a:solidFill>
+            <a:round/>
+            <a:extLst>
+              <a:ext uri="{C807C97D-BFC1-408E-A445-0C87EB9F89A2}">
+                <ask:lineSketchStyleProps xmlns:ask="http://schemas.microsoft.com/office/drawing/2018/sketchyshapes" sd="2863741219">
+                  <a:prstGeom prst="rect">
+                    <a:avLst/>
+                  </a:prstGeom>
+                  <ask:type>
+                    <ask:lineSketchFreehand/>
+                  </ask:type>
+                </ask:lineSketchStyleProps>
+              </a:ext>
+            </a:extLst>
           </a:ln>
         </p:spPr>
         <p:style>
@@ -11274,1264 +11722,12 @@
           </a:p>
         </p:txBody>
       </p:sp>
-      <p:grpSp>
-        <p:nvGrpSpPr>
-          <p:cNvPr id="7177" name="Group 80">
+      <p:pic>
+        <p:nvPicPr>
+          <p:cNvPr id="7170" name="Picture 2">
             <a:extLst>
               <a:ext uri="{FF2B5EF4-FFF2-40B4-BE49-F238E27FC236}">
-                <a16:creationId xmlns:a16="http://schemas.microsoft.com/office/drawing/2014/main" id="{12563AD9-A7A3-4BE2-A897-9487DF3E09E8}"/>
-              </a:ext>
-              <a:ext uri="{C183D7F6-B498-43B3-948B-1728B52AA6E4}">
-                <adec:decorative xmlns:adec="http://schemas.microsoft.com/office/drawing/2017/decorative" val="1"/>
-              </a:ext>
-            </a:extLst>
-          </p:cNvPr>
-          <p:cNvGrpSpPr>
-            <a:grpSpLocks noGrp="1" noUngrp="1" noRot="1" noChangeAspect="1" noMove="1" noResize="1"/>
-          </p:cNvGrpSpPr>
-          <p:nvPr>
-            <p:extLst>
-              <p:ext uri="{386F3935-93C4-4BCD-93E2-E3B085C9AB24}">
-                <p16:designElem xmlns:p16="http://schemas.microsoft.com/office/powerpoint/2015/main" val="1"/>
-              </p:ext>
-            </p:extLst>
-          </p:nvPr>
-        </p:nvGrpSpPr>
-        <p:grpSpPr>
-          <a:xfrm>
-            <a:off x="56167" y="2050133"/>
-            <a:ext cx="232963" cy="1340860"/>
-            <a:chOff x="56167" y="2050133"/>
-            <a:chExt cx="232963" cy="1340860"/>
-          </a:xfrm>
-        </p:grpSpPr>
-        <p:sp>
-          <p:nvSpPr>
-            <p:cNvPr id="82" name="Rectangle 2">
-              <a:extLst>
-                <a:ext uri="{FF2B5EF4-FFF2-40B4-BE49-F238E27FC236}">
-                  <a16:creationId xmlns:a16="http://schemas.microsoft.com/office/drawing/2014/main" id="{D3DEC0ED-2046-4B47-AED6-F2E2C28B1DAF}"/>
-                </a:ext>
-                <a:ext uri="{C183D7F6-B498-43B3-948B-1728B52AA6E4}">
-                  <adec:decorative xmlns:adec="http://schemas.microsoft.com/office/drawing/2017/decorative" val="1"/>
-                </a:ext>
-              </a:extLst>
-            </p:cNvPr>
-            <p:cNvSpPr/>
-            <p:nvPr>
-              <p:extLst>
-                <p:ext uri="{386F3935-93C4-4BCD-93E2-E3B085C9AB24}">
-                  <p16:designElem xmlns:p16="http://schemas.microsoft.com/office/powerpoint/2015/main" val="1"/>
-                </p:ext>
-              </p:extLst>
-            </p:nvPr>
-          </p:nvSpPr>
-          <p:spPr>
-            <a:xfrm rot="5400000">
-              <a:off x="228600" y="2619892"/>
-              <a:ext cx="61834" cy="59227"/>
-            </a:xfrm>
-            <a:prstGeom prst="ellipse">
-              <a:avLst/>
-            </a:prstGeom>
-            <a:solidFill>
-              <a:schemeClr val="accent1"/>
-            </a:solidFill>
-            <a:ln>
-              <a:noFill/>
-            </a:ln>
-          </p:spPr>
-          <p:style>
-            <a:lnRef idx="2">
-              <a:schemeClr val="accent1">
-                <a:shade val="50000"/>
-              </a:schemeClr>
-            </a:lnRef>
-            <a:fillRef idx="1">
-              <a:schemeClr val="accent1"/>
-            </a:fillRef>
-            <a:effectRef idx="0">
-              <a:schemeClr val="accent1"/>
-            </a:effectRef>
-            <a:fontRef idx="minor">
-              <a:schemeClr val="lt1"/>
-            </a:fontRef>
-          </p:style>
-          <p:txBody>
-            <a:bodyPr rtlCol="0" anchor="ctr"/>
-            <a:lstStyle/>
-            <a:p>
-              <a:pPr algn="ctr"/>
-              <a:endParaRPr lang="en-US"/>
-            </a:p>
-          </p:txBody>
-        </p:sp>
-        <p:sp>
-          <p:nvSpPr>
-            <p:cNvPr id="7178" name="Rectangle 59">
-              <a:extLst>
-                <a:ext uri="{FF2B5EF4-FFF2-40B4-BE49-F238E27FC236}">
-                  <a16:creationId xmlns:a16="http://schemas.microsoft.com/office/drawing/2014/main" id="{E9D991DC-D98F-4EE0-BB66-B1BDC1EF393D}"/>
-                </a:ext>
-                <a:ext uri="{C183D7F6-B498-43B3-948B-1728B52AA6E4}">
-                  <adec:decorative xmlns:adec="http://schemas.microsoft.com/office/drawing/2017/decorative" val="1"/>
-                </a:ext>
-              </a:extLst>
-            </p:cNvPr>
-            <p:cNvSpPr/>
-            <p:nvPr>
-              <p:extLst>
-                <p:ext uri="{386F3935-93C4-4BCD-93E2-E3B085C9AB24}">
-                  <p16:designElem xmlns:p16="http://schemas.microsoft.com/office/powerpoint/2015/main" val="1"/>
-                </p:ext>
-              </p:extLst>
-            </p:nvPr>
-          </p:nvSpPr>
-          <p:spPr>
-            <a:xfrm rot="5400000">
-              <a:off x="54864" y="2619892"/>
-              <a:ext cx="61834" cy="59227"/>
-            </a:xfrm>
-            <a:prstGeom prst="ellipse">
-              <a:avLst/>
-            </a:prstGeom>
-            <a:solidFill>
-              <a:schemeClr val="accent1"/>
-            </a:solidFill>
-            <a:ln>
-              <a:noFill/>
-            </a:ln>
-          </p:spPr>
-          <p:style>
-            <a:lnRef idx="2">
-              <a:schemeClr val="accent1">
-                <a:shade val="50000"/>
-              </a:schemeClr>
-            </a:lnRef>
-            <a:fillRef idx="1">
-              <a:schemeClr val="accent1"/>
-            </a:fillRef>
-            <a:effectRef idx="0">
-              <a:schemeClr val="accent1"/>
-            </a:effectRef>
-            <a:fontRef idx="minor">
-              <a:schemeClr val="lt1"/>
-            </a:fontRef>
-          </p:style>
-          <p:txBody>
-            <a:bodyPr rtlCol="0" anchor="ctr"/>
-            <a:lstStyle/>
-            <a:p>
-              <a:pPr algn="ctr"/>
-              <a:endParaRPr lang="en-US"/>
-            </a:p>
-          </p:txBody>
-        </p:sp>
-        <p:sp>
-          <p:nvSpPr>
-            <p:cNvPr id="84" name="Rectangle 2">
-              <a:extLst>
-                <a:ext uri="{FF2B5EF4-FFF2-40B4-BE49-F238E27FC236}">
-                  <a16:creationId xmlns:a16="http://schemas.microsoft.com/office/drawing/2014/main" id="{E7E54229-815D-4B6F-AFC8-CF785F7D4E22}"/>
-                </a:ext>
-                <a:ext uri="{C183D7F6-B498-43B3-948B-1728B52AA6E4}">
-                  <adec:decorative xmlns:adec="http://schemas.microsoft.com/office/drawing/2017/decorative" val="1"/>
-                </a:ext>
-              </a:extLst>
-            </p:cNvPr>
-            <p:cNvSpPr/>
-            <p:nvPr>
-              <p:extLst>
-                <p:ext uri="{386F3935-93C4-4BCD-93E2-E3B085C9AB24}">
-                  <p16:designElem xmlns:p16="http://schemas.microsoft.com/office/powerpoint/2015/main" val="1"/>
-                </p:ext>
-              </p:extLst>
-            </p:nvPr>
-          </p:nvSpPr>
-          <p:spPr>
-            <a:xfrm rot="5400000">
-              <a:off x="228600" y="2477778"/>
-              <a:ext cx="61834" cy="59227"/>
-            </a:xfrm>
-            <a:prstGeom prst="ellipse">
-              <a:avLst/>
-            </a:prstGeom>
-            <a:solidFill>
-              <a:schemeClr val="accent1"/>
-            </a:solidFill>
-            <a:ln>
-              <a:noFill/>
-            </a:ln>
-          </p:spPr>
-          <p:style>
-            <a:lnRef idx="2">
-              <a:schemeClr val="accent1">
-                <a:shade val="50000"/>
-              </a:schemeClr>
-            </a:lnRef>
-            <a:fillRef idx="1">
-              <a:schemeClr val="accent1"/>
-            </a:fillRef>
-            <a:effectRef idx="0">
-              <a:schemeClr val="accent1"/>
-            </a:effectRef>
-            <a:fontRef idx="minor">
-              <a:schemeClr val="lt1"/>
-            </a:fontRef>
-          </p:style>
-          <p:txBody>
-            <a:bodyPr rtlCol="0" anchor="ctr"/>
-            <a:lstStyle/>
-            <a:p>
-              <a:pPr algn="ctr"/>
-              <a:endParaRPr lang="en-US"/>
-            </a:p>
-          </p:txBody>
-        </p:sp>
-        <p:sp>
-          <p:nvSpPr>
-            <p:cNvPr id="7179" name="Rectangle 59">
-              <a:extLst>
-                <a:ext uri="{FF2B5EF4-FFF2-40B4-BE49-F238E27FC236}">
-                  <a16:creationId xmlns:a16="http://schemas.microsoft.com/office/drawing/2014/main" id="{92CEAFD0-3BED-43BB-9765-CB5C4566F829}"/>
-                </a:ext>
-                <a:ext uri="{C183D7F6-B498-43B3-948B-1728B52AA6E4}">
-                  <adec:decorative xmlns:adec="http://schemas.microsoft.com/office/drawing/2017/decorative" val="1"/>
-                </a:ext>
-              </a:extLst>
-            </p:cNvPr>
-            <p:cNvSpPr/>
-            <p:nvPr>
-              <p:extLst>
-                <p:ext uri="{386F3935-93C4-4BCD-93E2-E3B085C9AB24}">
-                  <p16:designElem xmlns:p16="http://schemas.microsoft.com/office/powerpoint/2015/main" val="1"/>
-                </p:ext>
-              </p:extLst>
-            </p:nvPr>
-          </p:nvSpPr>
-          <p:spPr>
-            <a:xfrm rot="5400000">
-              <a:off x="54864" y="2477778"/>
-              <a:ext cx="61834" cy="59227"/>
-            </a:xfrm>
-            <a:prstGeom prst="ellipse">
-              <a:avLst/>
-            </a:prstGeom>
-            <a:solidFill>
-              <a:schemeClr val="accent1"/>
-            </a:solidFill>
-            <a:ln>
-              <a:noFill/>
-            </a:ln>
-          </p:spPr>
-          <p:style>
-            <a:lnRef idx="2">
-              <a:schemeClr val="accent1">
-                <a:shade val="50000"/>
-              </a:schemeClr>
-            </a:lnRef>
-            <a:fillRef idx="1">
-              <a:schemeClr val="accent1"/>
-            </a:fillRef>
-            <a:effectRef idx="0">
-              <a:schemeClr val="accent1"/>
-            </a:effectRef>
-            <a:fontRef idx="minor">
-              <a:schemeClr val="lt1"/>
-            </a:fontRef>
-          </p:style>
-          <p:txBody>
-            <a:bodyPr rtlCol="0" anchor="ctr"/>
-            <a:lstStyle/>
-            <a:p>
-              <a:pPr algn="ctr"/>
-              <a:endParaRPr lang="en-US"/>
-            </a:p>
-          </p:txBody>
-        </p:sp>
-        <p:sp>
-          <p:nvSpPr>
-            <p:cNvPr id="86" name="Rectangle 2">
-              <a:extLst>
-                <a:ext uri="{FF2B5EF4-FFF2-40B4-BE49-F238E27FC236}">
-                  <a16:creationId xmlns:a16="http://schemas.microsoft.com/office/drawing/2014/main" id="{4A3C795F-6BCD-46C1-A546-19774F3B2BF2}"/>
-                </a:ext>
-                <a:ext uri="{C183D7F6-B498-43B3-948B-1728B52AA6E4}">
-                  <adec:decorative xmlns:adec="http://schemas.microsoft.com/office/drawing/2017/decorative" val="1"/>
-                </a:ext>
-              </a:extLst>
-            </p:cNvPr>
-            <p:cNvSpPr/>
-            <p:nvPr>
-              <p:extLst>
-                <p:ext uri="{386F3935-93C4-4BCD-93E2-E3B085C9AB24}">
-                  <p16:designElem xmlns:p16="http://schemas.microsoft.com/office/powerpoint/2015/main" val="1"/>
-                </p:ext>
-              </p:extLst>
-            </p:nvPr>
-          </p:nvSpPr>
-          <p:spPr>
-            <a:xfrm rot="5400000">
-              <a:off x="228600" y="2335664"/>
-              <a:ext cx="61834" cy="59227"/>
-            </a:xfrm>
-            <a:prstGeom prst="ellipse">
-              <a:avLst/>
-            </a:prstGeom>
-            <a:solidFill>
-              <a:schemeClr val="accent1"/>
-            </a:solidFill>
-            <a:ln>
-              <a:noFill/>
-            </a:ln>
-          </p:spPr>
-          <p:style>
-            <a:lnRef idx="2">
-              <a:schemeClr val="accent1">
-                <a:shade val="50000"/>
-              </a:schemeClr>
-            </a:lnRef>
-            <a:fillRef idx="1">
-              <a:schemeClr val="accent1"/>
-            </a:fillRef>
-            <a:effectRef idx="0">
-              <a:schemeClr val="accent1"/>
-            </a:effectRef>
-            <a:fontRef idx="minor">
-              <a:schemeClr val="lt1"/>
-            </a:fontRef>
-          </p:style>
-          <p:txBody>
-            <a:bodyPr rtlCol="0" anchor="ctr"/>
-            <a:lstStyle/>
-            <a:p>
-              <a:pPr algn="ctr"/>
-              <a:endParaRPr lang="en-US"/>
-            </a:p>
-          </p:txBody>
-        </p:sp>
-        <p:sp>
-          <p:nvSpPr>
-            <p:cNvPr id="7180" name="Rectangle 59">
-              <a:extLst>
-                <a:ext uri="{FF2B5EF4-FFF2-40B4-BE49-F238E27FC236}">
-                  <a16:creationId xmlns:a16="http://schemas.microsoft.com/office/drawing/2014/main" id="{C66A3BDD-1057-463C-9B90-8C332D04B7CE}"/>
-                </a:ext>
-                <a:ext uri="{C183D7F6-B498-43B3-948B-1728B52AA6E4}">
-                  <adec:decorative xmlns:adec="http://schemas.microsoft.com/office/drawing/2017/decorative" val="1"/>
-                </a:ext>
-              </a:extLst>
-            </p:cNvPr>
-            <p:cNvSpPr/>
-            <p:nvPr>
-              <p:extLst>
-                <p:ext uri="{386F3935-93C4-4BCD-93E2-E3B085C9AB24}">
-                  <p16:designElem xmlns:p16="http://schemas.microsoft.com/office/powerpoint/2015/main" val="1"/>
-                </p:ext>
-              </p:extLst>
-            </p:nvPr>
-          </p:nvSpPr>
-          <p:spPr>
-            <a:xfrm rot="5400000">
-              <a:off x="54864" y="2335664"/>
-              <a:ext cx="61834" cy="59227"/>
-            </a:xfrm>
-            <a:prstGeom prst="ellipse">
-              <a:avLst/>
-            </a:prstGeom>
-            <a:solidFill>
-              <a:schemeClr val="accent1"/>
-            </a:solidFill>
-            <a:ln>
-              <a:noFill/>
-            </a:ln>
-          </p:spPr>
-          <p:style>
-            <a:lnRef idx="2">
-              <a:schemeClr val="accent1">
-                <a:shade val="50000"/>
-              </a:schemeClr>
-            </a:lnRef>
-            <a:fillRef idx="1">
-              <a:schemeClr val="accent1"/>
-            </a:fillRef>
-            <a:effectRef idx="0">
-              <a:schemeClr val="accent1"/>
-            </a:effectRef>
-            <a:fontRef idx="minor">
-              <a:schemeClr val="lt1"/>
-            </a:fontRef>
-          </p:style>
-          <p:txBody>
-            <a:bodyPr rtlCol="0" anchor="ctr"/>
-            <a:lstStyle/>
-            <a:p>
-              <a:pPr algn="ctr"/>
-              <a:endParaRPr lang="en-US"/>
-            </a:p>
-          </p:txBody>
-        </p:sp>
-        <p:sp>
-          <p:nvSpPr>
-            <p:cNvPr id="88" name="Rectangle 2">
-              <a:extLst>
-                <a:ext uri="{FF2B5EF4-FFF2-40B4-BE49-F238E27FC236}">
-                  <a16:creationId xmlns:a16="http://schemas.microsoft.com/office/drawing/2014/main" id="{809A6B96-7755-4504-B1CB-F6B83CD0F1A9}"/>
-                </a:ext>
-                <a:ext uri="{C183D7F6-B498-43B3-948B-1728B52AA6E4}">
-                  <adec:decorative xmlns:adec="http://schemas.microsoft.com/office/drawing/2017/decorative" val="1"/>
-                </a:ext>
-              </a:extLst>
-            </p:cNvPr>
-            <p:cNvSpPr/>
-            <p:nvPr>
-              <p:extLst>
-                <p:ext uri="{386F3935-93C4-4BCD-93E2-E3B085C9AB24}">
-                  <p16:designElem xmlns:p16="http://schemas.microsoft.com/office/powerpoint/2015/main" val="1"/>
-                </p:ext>
-              </p:extLst>
-            </p:nvPr>
-          </p:nvSpPr>
-          <p:spPr>
-            <a:xfrm rot="5400000">
-              <a:off x="228600" y="2193550"/>
-              <a:ext cx="61834" cy="59227"/>
-            </a:xfrm>
-            <a:prstGeom prst="ellipse">
-              <a:avLst/>
-            </a:prstGeom>
-            <a:solidFill>
-              <a:schemeClr val="accent1"/>
-            </a:solidFill>
-            <a:ln>
-              <a:noFill/>
-            </a:ln>
-          </p:spPr>
-          <p:style>
-            <a:lnRef idx="2">
-              <a:schemeClr val="accent1">
-                <a:shade val="50000"/>
-              </a:schemeClr>
-            </a:lnRef>
-            <a:fillRef idx="1">
-              <a:schemeClr val="accent1"/>
-            </a:fillRef>
-            <a:effectRef idx="0">
-              <a:schemeClr val="accent1"/>
-            </a:effectRef>
-            <a:fontRef idx="minor">
-              <a:schemeClr val="lt1"/>
-            </a:fontRef>
-          </p:style>
-          <p:txBody>
-            <a:bodyPr rtlCol="0" anchor="ctr"/>
-            <a:lstStyle/>
-            <a:p>
-              <a:pPr algn="ctr"/>
-              <a:endParaRPr lang="en-US"/>
-            </a:p>
-          </p:txBody>
-        </p:sp>
-        <p:sp>
-          <p:nvSpPr>
-            <p:cNvPr id="89" name="Rectangle 59">
-              <a:extLst>
-                <a:ext uri="{FF2B5EF4-FFF2-40B4-BE49-F238E27FC236}">
-                  <a16:creationId xmlns:a16="http://schemas.microsoft.com/office/drawing/2014/main" id="{2D7217F0-4BD2-43FF-8CCB-D59213F35951}"/>
-                </a:ext>
-                <a:ext uri="{C183D7F6-B498-43B3-948B-1728B52AA6E4}">
-                  <adec:decorative xmlns:adec="http://schemas.microsoft.com/office/drawing/2017/decorative" val="1"/>
-                </a:ext>
-              </a:extLst>
-            </p:cNvPr>
-            <p:cNvSpPr/>
-            <p:nvPr>
-              <p:extLst>
-                <p:ext uri="{386F3935-93C4-4BCD-93E2-E3B085C9AB24}">
-                  <p16:designElem xmlns:p16="http://schemas.microsoft.com/office/powerpoint/2015/main" val="1"/>
-                </p:ext>
-              </p:extLst>
-            </p:nvPr>
-          </p:nvSpPr>
-          <p:spPr>
-            <a:xfrm rot="5400000">
-              <a:off x="54864" y="2193550"/>
-              <a:ext cx="61834" cy="59227"/>
-            </a:xfrm>
-            <a:prstGeom prst="ellipse">
-              <a:avLst/>
-            </a:prstGeom>
-            <a:solidFill>
-              <a:schemeClr val="accent1"/>
-            </a:solidFill>
-            <a:ln>
-              <a:noFill/>
-            </a:ln>
-          </p:spPr>
-          <p:style>
-            <a:lnRef idx="2">
-              <a:schemeClr val="accent1">
-                <a:shade val="50000"/>
-              </a:schemeClr>
-            </a:lnRef>
-            <a:fillRef idx="1">
-              <a:schemeClr val="accent1"/>
-            </a:fillRef>
-            <a:effectRef idx="0">
-              <a:schemeClr val="accent1"/>
-            </a:effectRef>
-            <a:fontRef idx="minor">
-              <a:schemeClr val="lt1"/>
-            </a:fontRef>
-          </p:style>
-          <p:txBody>
-            <a:bodyPr rtlCol="0" anchor="ctr"/>
-            <a:lstStyle/>
-            <a:p>
-              <a:pPr algn="ctr"/>
-              <a:endParaRPr lang="en-US"/>
-            </a:p>
-          </p:txBody>
-        </p:sp>
-        <p:sp>
-          <p:nvSpPr>
-            <p:cNvPr id="90" name="Rectangle 2">
-              <a:extLst>
-                <a:ext uri="{FF2B5EF4-FFF2-40B4-BE49-F238E27FC236}">
-                  <a16:creationId xmlns:a16="http://schemas.microsoft.com/office/drawing/2014/main" id="{57F107C1-F9EA-4376-A34A-966DBB4BC518}"/>
-                </a:ext>
-                <a:ext uri="{C183D7F6-B498-43B3-948B-1728B52AA6E4}">
-                  <adec:decorative xmlns:adec="http://schemas.microsoft.com/office/drawing/2017/decorative" val="1"/>
-                </a:ext>
-              </a:extLst>
-            </p:cNvPr>
-            <p:cNvSpPr/>
-            <p:nvPr>
-              <p:extLst>
-                <p:ext uri="{386F3935-93C4-4BCD-93E2-E3B085C9AB24}">
-                  <p16:designElem xmlns:p16="http://schemas.microsoft.com/office/powerpoint/2015/main" val="1"/>
-                </p:ext>
-              </p:extLst>
-            </p:nvPr>
-          </p:nvSpPr>
-          <p:spPr>
-            <a:xfrm rot="5400000">
-              <a:off x="228600" y="2051436"/>
-              <a:ext cx="61834" cy="59227"/>
-            </a:xfrm>
-            <a:prstGeom prst="ellipse">
-              <a:avLst/>
-            </a:prstGeom>
-            <a:solidFill>
-              <a:schemeClr val="accent1"/>
-            </a:solidFill>
-            <a:ln>
-              <a:noFill/>
-            </a:ln>
-          </p:spPr>
-          <p:style>
-            <a:lnRef idx="2">
-              <a:schemeClr val="accent1">
-                <a:shade val="50000"/>
-              </a:schemeClr>
-            </a:lnRef>
-            <a:fillRef idx="1">
-              <a:schemeClr val="accent1"/>
-            </a:fillRef>
-            <a:effectRef idx="0">
-              <a:schemeClr val="accent1"/>
-            </a:effectRef>
-            <a:fontRef idx="minor">
-              <a:schemeClr val="lt1"/>
-            </a:fontRef>
-          </p:style>
-          <p:txBody>
-            <a:bodyPr rtlCol="0" anchor="ctr"/>
-            <a:lstStyle/>
-            <a:p>
-              <a:pPr algn="ctr"/>
-              <a:endParaRPr lang="en-US"/>
-            </a:p>
-          </p:txBody>
-        </p:sp>
-        <p:sp>
-          <p:nvSpPr>
-            <p:cNvPr id="91" name="Rectangle 59">
-              <a:extLst>
-                <a:ext uri="{FF2B5EF4-FFF2-40B4-BE49-F238E27FC236}">
-                  <a16:creationId xmlns:a16="http://schemas.microsoft.com/office/drawing/2014/main" id="{856E609B-ECA2-4E1D-A666-5150A38B0413}"/>
-                </a:ext>
-                <a:ext uri="{C183D7F6-B498-43B3-948B-1728B52AA6E4}">
-                  <adec:decorative xmlns:adec="http://schemas.microsoft.com/office/drawing/2017/decorative" val="1"/>
-                </a:ext>
-              </a:extLst>
-            </p:cNvPr>
-            <p:cNvSpPr/>
-            <p:nvPr>
-              <p:extLst>
-                <p:ext uri="{386F3935-93C4-4BCD-93E2-E3B085C9AB24}">
-                  <p16:designElem xmlns:p16="http://schemas.microsoft.com/office/powerpoint/2015/main" val="1"/>
-                </p:ext>
-              </p:extLst>
-            </p:nvPr>
-          </p:nvSpPr>
-          <p:spPr>
-            <a:xfrm rot="5400000">
-              <a:off x="54864" y="2051436"/>
-              <a:ext cx="61834" cy="59227"/>
-            </a:xfrm>
-            <a:prstGeom prst="ellipse">
-              <a:avLst/>
-            </a:prstGeom>
-            <a:solidFill>
-              <a:schemeClr val="accent1"/>
-            </a:solidFill>
-            <a:ln>
-              <a:noFill/>
-            </a:ln>
-          </p:spPr>
-          <p:style>
-            <a:lnRef idx="2">
-              <a:schemeClr val="accent1">
-                <a:shade val="50000"/>
-              </a:schemeClr>
-            </a:lnRef>
-            <a:fillRef idx="1">
-              <a:schemeClr val="accent1"/>
-            </a:fillRef>
-            <a:effectRef idx="0">
-              <a:schemeClr val="accent1"/>
-            </a:effectRef>
-            <a:fontRef idx="minor">
-              <a:schemeClr val="lt1"/>
-            </a:fontRef>
-          </p:style>
-          <p:txBody>
-            <a:bodyPr rtlCol="0" anchor="ctr"/>
-            <a:lstStyle/>
-            <a:p>
-              <a:pPr algn="ctr"/>
-              <a:endParaRPr lang="en-US"/>
-            </a:p>
-          </p:txBody>
-        </p:sp>
-        <p:sp>
-          <p:nvSpPr>
-            <p:cNvPr id="92" name="Rectangle 2">
-              <a:extLst>
-                <a:ext uri="{FF2B5EF4-FFF2-40B4-BE49-F238E27FC236}">
-                  <a16:creationId xmlns:a16="http://schemas.microsoft.com/office/drawing/2014/main" id="{7F09FEB2-C57C-4876-8264-E7A6DBA93120}"/>
-                </a:ext>
-                <a:ext uri="{C183D7F6-B498-43B3-948B-1728B52AA6E4}">
-                  <adec:decorative xmlns:adec="http://schemas.microsoft.com/office/drawing/2017/decorative" val="1"/>
-                </a:ext>
-              </a:extLst>
-            </p:cNvPr>
-            <p:cNvSpPr/>
-            <p:nvPr>
-              <p:extLst>
-                <p:ext uri="{386F3935-93C4-4BCD-93E2-E3B085C9AB24}">
-                  <p16:designElem xmlns:p16="http://schemas.microsoft.com/office/powerpoint/2015/main" val="1"/>
-                </p:ext>
-              </p:extLst>
-            </p:nvPr>
-          </p:nvSpPr>
-          <p:spPr>
-            <a:xfrm rot="5400000">
-              <a:off x="228600" y="3330462"/>
-              <a:ext cx="61834" cy="59227"/>
-            </a:xfrm>
-            <a:prstGeom prst="ellipse">
-              <a:avLst/>
-            </a:prstGeom>
-            <a:solidFill>
-              <a:schemeClr val="accent1"/>
-            </a:solidFill>
-            <a:ln>
-              <a:noFill/>
-            </a:ln>
-          </p:spPr>
-          <p:style>
-            <a:lnRef idx="2">
-              <a:schemeClr val="accent1">
-                <a:shade val="50000"/>
-              </a:schemeClr>
-            </a:lnRef>
-            <a:fillRef idx="1">
-              <a:schemeClr val="accent1"/>
-            </a:fillRef>
-            <a:effectRef idx="0">
-              <a:schemeClr val="accent1"/>
-            </a:effectRef>
-            <a:fontRef idx="minor">
-              <a:schemeClr val="lt1"/>
-            </a:fontRef>
-          </p:style>
-          <p:txBody>
-            <a:bodyPr rtlCol="0" anchor="ctr"/>
-            <a:lstStyle/>
-            <a:p>
-              <a:pPr algn="ctr"/>
-              <a:endParaRPr lang="en-US"/>
-            </a:p>
-          </p:txBody>
-        </p:sp>
-        <p:sp>
-          <p:nvSpPr>
-            <p:cNvPr id="93" name="Rectangle 59">
-              <a:extLst>
-                <a:ext uri="{FF2B5EF4-FFF2-40B4-BE49-F238E27FC236}">
-                  <a16:creationId xmlns:a16="http://schemas.microsoft.com/office/drawing/2014/main" id="{59E52BD6-8269-4CBB-8B1D-C65EEEFBB4C0}"/>
-                </a:ext>
-                <a:ext uri="{C183D7F6-B498-43B3-948B-1728B52AA6E4}">
-                  <adec:decorative xmlns:adec="http://schemas.microsoft.com/office/drawing/2017/decorative" val="1"/>
-                </a:ext>
-              </a:extLst>
-            </p:cNvPr>
-            <p:cNvSpPr/>
-            <p:nvPr>
-              <p:extLst>
-                <p:ext uri="{386F3935-93C4-4BCD-93E2-E3B085C9AB24}">
-                  <p16:designElem xmlns:p16="http://schemas.microsoft.com/office/powerpoint/2015/main" val="1"/>
-                </p:ext>
-              </p:extLst>
-            </p:nvPr>
-          </p:nvSpPr>
-          <p:spPr>
-            <a:xfrm rot="5400000">
-              <a:off x="54864" y="3330462"/>
-              <a:ext cx="61834" cy="59227"/>
-            </a:xfrm>
-            <a:prstGeom prst="ellipse">
-              <a:avLst/>
-            </a:prstGeom>
-            <a:solidFill>
-              <a:schemeClr val="accent1"/>
-            </a:solidFill>
-            <a:ln>
-              <a:noFill/>
-            </a:ln>
-          </p:spPr>
-          <p:style>
-            <a:lnRef idx="2">
-              <a:schemeClr val="accent1">
-                <a:shade val="50000"/>
-              </a:schemeClr>
-            </a:lnRef>
-            <a:fillRef idx="1">
-              <a:schemeClr val="accent1"/>
-            </a:fillRef>
-            <a:effectRef idx="0">
-              <a:schemeClr val="accent1"/>
-            </a:effectRef>
-            <a:fontRef idx="minor">
-              <a:schemeClr val="lt1"/>
-            </a:fontRef>
-          </p:style>
-          <p:txBody>
-            <a:bodyPr rtlCol="0" anchor="ctr"/>
-            <a:lstStyle/>
-            <a:p>
-              <a:pPr algn="ctr"/>
-              <a:endParaRPr lang="en-US"/>
-            </a:p>
-          </p:txBody>
-        </p:sp>
-        <p:sp>
-          <p:nvSpPr>
-            <p:cNvPr id="94" name="Rectangle 2">
-              <a:extLst>
-                <a:ext uri="{FF2B5EF4-FFF2-40B4-BE49-F238E27FC236}">
-                  <a16:creationId xmlns:a16="http://schemas.microsoft.com/office/drawing/2014/main" id="{C37B9BA9-D4B1-40E9-85DB-EFEE2ECCE2D7}"/>
-                </a:ext>
-                <a:ext uri="{C183D7F6-B498-43B3-948B-1728B52AA6E4}">
-                  <adec:decorative xmlns:adec="http://schemas.microsoft.com/office/drawing/2017/decorative" val="1"/>
-                </a:ext>
-              </a:extLst>
-            </p:cNvPr>
-            <p:cNvSpPr/>
-            <p:nvPr>
-              <p:extLst>
-                <p:ext uri="{386F3935-93C4-4BCD-93E2-E3B085C9AB24}">
-                  <p16:designElem xmlns:p16="http://schemas.microsoft.com/office/powerpoint/2015/main" val="1"/>
-                </p:ext>
-              </p:extLst>
-            </p:nvPr>
-          </p:nvSpPr>
-          <p:spPr>
-            <a:xfrm rot="5400000">
-              <a:off x="228600" y="3188348"/>
-              <a:ext cx="61834" cy="59227"/>
-            </a:xfrm>
-            <a:prstGeom prst="ellipse">
-              <a:avLst/>
-            </a:prstGeom>
-            <a:solidFill>
-              <a:schemeClr val="accent1"/>
-            </a:solidFill>
-            <a:ln>
-              <a:noFill/>
-            </a:ln>
-          </p:spPr>
-          <p:style>
-            <a:lnRef idx="2">
-              <a:schemeClr val="accent1">
-                <a:shade val="50000"/>
-              </a:schemeClr>
-            </a:lnRef>
-            <a:fillRef idx="1">
-              <a:schemeClr val="accent1"/>
-            </a:fillRef>
-            <a:effectRef idx="0">
-              <a:schemeClr val="accent1"/>
-            </a:effectRef>
-            <a:fontRef idx="minor">
-              <a:schemeClr val="lt1"/>
-            </a:fontRef>
-          </p:style>
-          <p:txBody>
-            <a:bodyPr rtlCol="0" anchor="ctr"/>
-            <a:lstStyle/>
-            <a:p>
-              <a:pPr algn="ctr"/>
-              <a:endParaRPr lang="en-US"/>
-            </a:p>
-          </p:txBody>
-        </p:sp>
-        <p:sp>
-          <p:nvSpPr>
-            <p:cNvPr id="95" name="Rectangle 59">
-              <a:extLst>
-                <a:ext uri="{FF2B5EF4-FFF2-40B4-BE49-F238E27FC236}">
-                  <a16:creationId xmlns:a16="http://schemas.microsoft.com/office/drawing/2014/main" id="{C775B1DF-B6D1-4D88-9B6F-1A07FDCC4EE6}"/>
-                </a:ext>
-                <a:ext uri="{C183D7F6-B498-43B3-948B-1728B52AA6E4}">
-                  <adec:decorative xmlns:adec="http://schemas.microsoft.com/office/drawing/2017/decorative" val="1"/>
-                </a:ext>
-              </a:extLst>
-            </p:cNvPr>
-            <p:cNvSpPr/>
-            <p:nvPr>
-              <p:extLst>
-                <p:ext uri="{386F3935-93C4-4BCD-93E2-E3B085C9AB24}">
-                  <p16:designElem xmlns:p16="http://schemas.microsoft.com/office/powerpoint/2015/main" val="1"/>
-                </p:ext>
-              </p:extLst>
-            </p:nvPr>
-          </p:nvSpPr>
-          <p:spPr>
-            <a:xfrm rot="5400000">
-              <a:off x="54864" y="3188348"/>
-              <a:ext cx="61834" cy="59227"/>
-            </a:xfrm>
-            <a:prstGeom prst="ellipse">
-              <a:avLst/>
-            </a:prstGeom>
-            <a:solidFill>
-              <a:schemeClr val="accent1"/>
-            </a:solidFill>
-            <a:ln>
-              <a:noFill/>
-            </a:ln>
-          </p:spPr>
-          <p:style>
-            <a:lnRef idx="2">
-              <a:schemeClr val="accent1">
-                <a:shade val="50000"/>
-              </a:schemeClr>
-            </a:lnRef>
-            <a:fillRef idx="1">
-              <a:schemeClr val="accent1"/>
-            </a:fillRef>
-            <a:effectRef idx="0">
-              <a:schemeClr val="accent1"/>
-            </a:effectRef>
-            <a:fontRef idx="minor">
-              <a:schemeClr val="lt1"/>
-            </a:fontRef>
-          </p:style>
-          <p:txBody>
-            <a:bodyPr rtlCol="0" anchor="ctr"/>
-            <a:lstStyle/>
-            <a:p>
-              <a:pPr algn="ctr"/>
-              <a:endParaRPr lang="en-US"/>
-            </a:p>
-          </p:txBody>
-        </p:sp>
-        <p:sp>
-          <p:nvSpPr>
-            <p:cNvPr id="96" name="Rectangle 2">
-              <a:extLst>
-                <a:ext uri="{FF2B5EF4-FFF2-40B4-BE49-F238E27FC236}">
-                  <a16:creationId xmlns:a16="http://schemas.microsoft.com/office/drawing/2014/main" id="{A68D4AFE-E9C4-4DD1-994E-18C935A512A4}"/>
-                </a:ext>
-                <a:ext uri="{C183D7F6-B498-43B3-948B-1728B52AA6E4}">
-                  <adec:decorative xmlns:adec="http://schemas.microsoft.com/office/drawing/2017/decorative" val="1"/>
-                </a:ext>
-              </a:extLst>
-            </p:cNvPr>
-            <p:cNvSpPr/>
-            <p:nvPr>
-              <p:extLst>
-                <p:ext uri="{386F3935-93C4-4BCD-93E2-E3B085C9AB24}">
-                  <p16:designElem xmlns:p16="http://schemas.microsoft.com/office/powerpoint/2015/main" val="1"/>
-                </p:ext>
-              </p:extLst>
-            </p:nvPr>
-          </p:nvSpPr>
-          <p:spPr>
-            <a:xfrm rot="5400000">
-              <a:off x="228600" y="3046234"/>
-              <a:ext cx="61834" cy="59227"/>
-            </a:xfrm>
-            <a:prstGeom prst="ellipse">
-              <a:avLst/>
-            </a:prstGeom>
-            <a:solidFill>
-              <a:schemeClr val="accent1"/>
-            </a:solidFill>
-            <a:ln>
-              <a:noFill/>
-            </a:ln>
-          </p:spPr>
-          <p:style>
-            <a:lnRef idx="2">
-              <a:schemeClr val="accent1">
-                <a:shade val="50000"/>
-              </a:schemeClr>
-            </a:lnRef>
-            <a:fillRef idx="1">
-              <a:schemeClr val="accent1"/>
-            </a:fillRef>
-            <a:effectRef idx="0">
-              <a:schemeClr val="accent1"/>
-            </a:effectRef>
-            <a:fontRef idx="minor">
-              <a:schemeClr val="lt1"/>
-            </a:fontRef>
-          </p:style>
-          <p:txBody>
-            <a:bodyPr rtlCol="0" anchor="ctr"/>
-            <a:lstStyle/>
-            <a:p>
-              <a:pPr algn="ctr"/>
-              <a:endParaRPr lang="en-US"/>
-            </a:p>
-          </p:txBody>
-        </p:sp>
-        <p:sp>
-          <p:nvSpPr>
-            <p:cNvPr id="97" name="Rectangle 59">
-              <a:extLst>
-                <a:ext uri="{FF2B5EF4-FFF2-40B4-BE49-F238E27FC236}">
-                  <a16:creationId xmlns:a16="http://schemas.microsoft.com/office/drawing/2014/main" id="{BB507D87-EF2D-4925-BDF8-41729DDB3D39}"/>
-                </a:ext>
-                <a:ext uri="{C183D7F6-B498-43B3-948B-1728B52AA6E4}">
-                  <adec:decorative xmlns:adec="http://schemas.microsoft.com/office/drawing/2017/decorative" val="1"/>
-                </a:ext>
-              </a:extLst>
-            </p:cNvPr>
-            <p:cNvSpPr/>
-            <p:nvPr>
-              <p:extLst>
-                <p:ext uri="{386F3935-93C4-4BCD-93E2-E3B085C9AB24}">
-                  <p16:designElem xmlns:p16="http://schemas.microsoft.com/office/powerpoint/2015/main" val="1"/>
-                </p:ext>
-              </p:extLst>
-            </p:nvPr>
-          </p:nvSpPr>
-          <p:spPr>
-            <a:xfrm rot="5400000">
-              <a:off x="54864" y="3046234"/>
-              <a:ext cx="61834" cy="59227"/>
-            </a:xfrm>
-            <a:prstGeom prst="ellipse">
-              <a:avLst/>
-            </a:prstGeom>
-            <a:solidFill>
-              <a:schemeClr val="accent1"/>
-            </a:solidFill>
-            <a:ln>
-              <a:noFill/>
-            </a:ln>
-          </p:spPr>
-          <p:style>
-            <a:lnRef idx="2">
-              <a:schemeClr val="accent1">
-                <a:shade val="50000"/>
-              </a:schemeClr>
-            </a:lnRef>
-            <a:fillRef idx="1">
-              <a:schemeClr val="accent1"/>
-            </a:fillRef>
-            <a:effectRef idx="0">
-              <a:schemeClr val="accent1"/>
-            </a:effectRef>
-            <a:fontRef idx="minor">
-              <a:schemeClr val="lt1"/>
-            </a:fontRef>
-          </p:style>
-          <p:txBody>
-            <a:bodyPr rtlCol="0" anchor="ctr"/>
-            <a:lstStyle/>
-            <a:p>
-              <a:pPr algn="ctr"/>
-              <a:endParaRPr lang="en-US"/>
-            </a:p>
-          </p:txBody>
-        </p:sp>
-        <p:sp>
-          <p:nvSpPr>
-            <p:cNvPr id="98" name="Rectangle 2">
-              <a:extLst>
-                <a:ext uri="{FF2B5EF4-FFF2-40B4-BE49-F238E27FC236}">
-                  <a16:creationId xmlns:a16="http://schemas.microsoft.com/office/drawing/2014/main" id="{2D14785B-15EE-4261-855E-B4C857CD8171}"/>
-                </a:ext>
-                <a:ext uri="{C183D7F6-B498-43B3-948B-1728B52AA6E4}">
-                  <adec:decorative xmlns:adec="http://schemas.microsoft.com/office/drawing/2017/decorative" val="1"/>
-                </a:ext>
-              </a:extLst>
-            </p:cNvPr>
-            <p:cNvSpPr/>
-            <p:nvPr>
-              <p:extLst>
-                <p:ext uri="{386F3935-93C4-4BCD-93E2-E3B085C9AB24}">
-                  <p16:designElem xmlns:p16="http://schemas.microsoft.com/office/powerpoint/2015/main" val="1"/>
-                </p:ext>
-              </p:extLst>
-            </p:nvPr>
-          </p:nvSpPr>
-          <p:spPr>
-            <a:xfrm rot="5400000">
-              <a:off x="228600" y="2904120"/>
-              <a:ext cx="61834" cy="59227"/>
-            </a:xfrm>
-            <a:prstGeom prst="ellipse">
-              <a:avLst/>
-            </a:prstGeom>
-            <a:solidFill>
-              <a:schemeClr val="accent1"/>
-            </a:solidFill>
-            <a:ln>
-              <a:noFill/>
-            </a:ln>
-          </p:spPr>
-          <p:style>
-            <a:lnRef idx="2">
-              <a:schemeClr val="accent1">
-                <a:shade val="50000"/>
-              </a:schemeClr>
-            </a:lnRef>
-            <a:fillRef idx="1">
-              <a:schemeClr val="accent1"/>
-            </a:fillRef>
-            <a:effectRef idx="0">
-              <a:schemeClr val="accent1"/>
-            </a:effectRef>
-            <a:fontRef idx="minor">
-              <a:schemeClr val="lt1"/>
-            </a:fontRef>
-          </p:style>
-          <p:txBody>
-            <a:bodyPr rtlCol="0" anchor="ctr"/>
-            <a:lstStyle/>
-            <a:p>
-              <a:pPr algn="ctr"/>
-              <a:endParaRPr lang="en-US"/>
-            </a:p>
-          </p:txBody>
-        </p:sp>
-        <p:sp>
-          <p:nvSpPr>
-            <p:cNvPr id="99" name="Rectangle 59">
-              <a:extLst>
-                <a:ext uri="{FF2B5EF4-FFF2-40B4-BE49-F238E27FC236}">
-                  <a16:creationId xmlns:a16="http://schemas.microsoft.com/office/drawing/2014/main" id="{B5B1C320-CDAC-4C61-A7B4-AF6BA4FA0F7F}"/>
-                </a:ext>
-                <a:ext uri="{C183D7F6-B498-43B3-948B-1728B52AA6E4}">
-                  <adec:decorative xmlns:adec="http://schemas.microsoft.com/office/drawing/2017/decorative" val="1"/>
-                </a:ext>
-              </a:extLst>
-            </p:cNvPr>
-            <p:cNvSpPr/>
-            <p:nvPr>
-              <p:extLst>
-                <p:ext uri="{386F3935-93C4-4BCD-93E2-E3B085C9AB24}">
-                  <p16:designElem xmlns:p16="http://schemas.microsoft.com/office/powerpoint/2015/main" val="1"/>
-                </p:ext>
-              </p:extLst>
-            </p:nvPr>
-          </p:nvSpPr>
-          <p:spPr>
-            <a:xfrm rot="5400000">
-              <a:off x="54864" y="2904120"/>
-              <a:ext cx="61834" cy="59227"/>
-            </a:xfrm>
-            <a:prstGeom prst="ellipse">
-              <a:avLst/>
-            </a:prstGeom>
-            <a:solidFill>
-              <a:schemeClr val="accent1"/>
-            </a:solidFill>
-            <a:ln>
-              <a:noFill/>
-            </a:ln>
-          </p:spPr>
-          <p:style>
-            <a:lnRef idx="2">
-              <a:schemeClr val="accent1">
-                <a:shade val="50000"/>
-              </a:schemeClr>
-            </a:lnRef>
-            <a:fillRef idx="1">
-              <a:schemeClr val="accent1"/>
-            </a:fillRef>
-            <a:effectRef idx="0">
-              <a:schemeClr val="accent1"/>
-            </a:effectRef>
-            <a:fontRef idx="minor">
-              <a:schemeClr val="lt1"/>
-            </a:fontRef>
-          </p:style>
-          <p:txBody>
-            <a:bodyPr rtlCol="0" anchor="ctr"/>
-            <a:lstStyle/>
-            <a:p>
-              <a:pPr algn="ctr"/>
-              <a:endParaRPr lang="en-US"/>
-            </a:p>
-          </p:txBody>
-        </p:sp>
-        <p:sp>
-          <p:nvSpPr>
-            <p:cNvPr id="100" name="Rectangle 2">
-              <a:extLst>
-                <a:ext uri="{FF2B5EF4-FFF2-40B4-BE49-F238E27FC236}">
-                  <a16:creationId xmlns:a16="http://schemas.microsoft.com/office/drawing/2014/main" id="{A4E1B6F0-5FA4-48F4-9CEA-28BE8E2AB34E}"/>
-                </a:ext>
-                <a:ext uri="{C183D7F6-B498-43B3-948B-1728B52AA6E4}">
-                  <adec:decorative xmlns:adec="http://schemas.microsoft.com/office/drawing/2017/decorative" val="1"/>
-                </a:ext>
-              </a:extLst>
-            </p:cNvPr>
-            <p:cNvSpPr/>
-            <p:nvPr>
-              <p:extLst>
-                <p:ext uri="{386F3935-93C4-4BCD-93E2-E3B085C9AB24}">
-                  <p16:designElem xmlns:p16="http://schemas.microsoft.com/office/powerpoint/2015/main" val="1"/>
-                </p:ext>
-              </p:extLst>
-            </p:nvPr>
-          </p:nvSpPr>
-          <p:spPr>
-            <a:xfrm rot="5400000">
-              <a:off x="228600" y="2762006"/>
-              <a:ext cx="61834" cy="59227"/>
-            </a:xfrm>
-            <a:prstGeom prst="ellipse">
-              <a:avLst/>
-            </a:prstGeom>
-            <a:solidFill>
-              <a:schemeClr val="accent1"/>
-            </a:solidFill>
-            <a:ln>
-              <a:noFill/>
-            </a:ln>
-          </p:spPr>
-          <p:style>
-            <a:lnRef idx="2">
-              <a:schemeClr val="accent1">
-                <a:shade val="50000"/>
-              </a:schemeClr>
-            </a:lnRef>
-            <a:fillRef idx="1">
-              <a:schemeClr val="accent1"/>
-            </a:fillRef>
-            <a:effectRef idx="0">
-              <a:schemeClr val="accent1"/>
-            </a:effectRef>
-            <a:fontRef idx="minor">
-              <a:schemeClr val="lt1"/>
-            </a:fontRef>
-          </p:style>
-          <p:txBody>
-            <a:bodyPr rtlCol="0" anchor="ctr"/>
-            <a:lstStyle/>
-            <a:p>
-              <a:pPr algn="ctr"/>
-              <a:endParaRPr lang="en-US"/>
-            </a:p>
-          </p:txBody>
-        </p:sp>
-        <p:sp>
-          <p:nvSpPr>
-            <p:cNvPr id="101" name="Rectangle 59">
-              <a:extLst>
-                <a:ext uri="{FF2B5EF4-FFF2-40B4-BE49-F238E27FC236}">
-                  <a16:creationId xmlns:a16="http://schemas.microsoft.com/office/drawing/2014/main" id="{413AA2A6-F5A2-47B3-B451-3D8CAE820C74}"/>
-                </a:ext>
-                <a:ext uri="{C183D7F6-B498-43B3-948B-1728B52AA6E4}">
-                  <adec:decorative xmlns:adec="http://schemas.microsoft.com/office/drawing/2017/decorative" val="1"/>
-                </a:ext>
-              </a:extLst>
-            </p:cNvPr>
-            <p:cNvSpPr/>
-            <p:nvPr>
-              <p:extLst>
-                <p:ext uri="{386F3935-93C4-4BCD-93E2-E3B085C9AB24}">
-                  <p16:designElem xmlns:p16="http://schemas.microsoft.com/office/powerpoint/2015/main" val="1"/>
-                </p:ext>
-              </p:extLst>
-            </p:nvPr>
-          </p:nvSpPr>
-          <p:spPr>
-            <a:xfrm rot="5400000">
-              <a:off x="54864" y="2762006"/>
-              <a:ext cx="61834" cy="59227"/>
-            </a:xfrm>
-            <a:prstGeom prst="ellipse">
-              <a:avLst/>
-            </a:prstGeom>
-            <a:solidFill>
-              <a:schemeClr val="accent1"/>
-            </a:solidFill>
-            <a:ln>
-              <a:noFill/>
-            </a:ln>
-          </p:spPr>
-          <p:style>
-            <a:lnRef idx="2">
-              <a:schemeClr val="accent1">
-                <a:shade val="50000"/>
-              </a:schemeClr>
-            </a:lnRef>
-            <a:fillRef idx="1">
-              <a:schemeClr val="accent1"/>
-            </a:fillRef>
-            <a:effectRef idx="0">
-              <a:schemeClr val="accent1"/>
-            </a:effectRef>
-            <a:fontRef idx="minor">
-              <a:schemeClr val="lt1"/>
-            </a:fontRef>
-          </p:style>
-          <p:txBody>
-            <a:bodyPr rtlCol="0" anchor="ctr"/>
-            <a:lstStyle/>
-            <a:p>
-              <a:pPr algn="ctr"/>
-              <a:endParaRPr lang="en-US"/>
-            </a:p>
-          </p:txBody>
-        </p:sp>
-      </p:grpSp>
-      <p:pic>
-        <p:nvPicPr>
-          <p:cNvPr id="7172" name="Picture 4">
-            <a:extLst>
-              <a:ext uri="{FF2B5EF4-FFF2-40B4-BE49-F238E27FC236}">
-                <a16:creationId xmlns:a16="http://schemas.microsoft.com/office/drawing/2014/main" id="{6B5A8DEF-EC85-40D5-8808-54D690734576}"/>
+                <a16:creationId xmlns:a16="http://schemas.microsoft.com/office/drawing/2014/main" id="{40373D90-044A-4BE7-97F1-697DE95F3F5F}"/>
               </a:ext>
             </a:extLst>
           </p:cNvPr>
@@ -12554,8 +11750,8 @@
         </p:blipFill>
         <p:spPr bwMode="auto">
           <a:xfrm>
-            <a:off x="5596697" y="3683805"/>
-            <a:ext cx="6365400" cy="2995887"/>
+            <a:off x="28640" y="3006814"/>
+            <a:ext cx="5820675" cy="2983095"/>
           </a:xfrm>
           <a:prstGeom prst="rect">
             <a:avLst/>
@@ -12574,10 +11770,10 @@
       </p:pic>
       <p:pic>
         <p:nvPicPr>
-          <p:cNvPr id="7170" name="Picture 2">
+          <p:cNvPr id="7172" name="Picture 4">
             <a:extLst>
               <a:ext uri="{FF2B5EF4-FFF2-40B4-BE49-F238E27FC236}">
-                <a16:creationId xmlns:a16="http://schemas.microsoft.com/office/drawing/2014/main" id="{40373D90-044A-4BE7-97F1-697DE95F3F5F}"/>
+                <a16:creationId xmlns:a16="http://schemas.microsoft.com/office/drawing/2014/main" id="{6B5A8DEF-EC85-40D5-8808-54D690734576}"/>
               </a:ext>
             </a:extLst>
           </p:cNvPr>
@@ -12600,8 +11796,8 @@
         </p:blipFill>
         <p:spPr bwMode="auto">
           <a:xfrm>
-            <a:off x="5104097" y="84541"/>
-            <a:ext cx="6858000" cy="3514724"/>
+            <a:off x="5885523" y="2890308"/>
+            <a:ext cx="6189649" cy="3166035"/>
           </a:xfrm>
           <a:prstGeom prst="rect">
             <a:avLst/>
@@ -12618,69 +11814,6 @@
           </a:extLst>
         </p:spPr>
       </p:pic>
-      <p:sp>
-        <p:nvSpPr>
-          <p:cNvPr id="103" name="Rectangle 102">
-            <a:extLst>
-              <a:ext uri="{FF2B5EF4-FFF2-40B4-BE49-F238E27FC236}">
-                <a16:creationId xmlns:a16="http://schemas.microsoft.com/office/drawing/2014/main" id="{E3E51905-F374-4E1A-97CF-B741584B74D5}"/>
-              </a:ext>
-              <a:ext uri="{C183D7F6-B498-43B3-948B-1728B52AA6E4}">
-                <adec:decorative xmlns:adec="http://schemas.microsoft.com/office/drawing/2017/decorative" val="1"/>
-              </a:ext>
-            </a:extLst>
-          </p:cNvPr>
-          <p:cNvSpPr>
-            <a:spLocks noGrp="1" noRot="1" noChangeAspect="1" noMove="1" noResize="1" noEditPoints="1" noAdjustHandles="1" noChangeArrowheads="1" noChangeShapeType="1" noTextEdit="1"/>
-          </p:cNvSpPr>
-          <p:nvPr>
-            <p:extLst>
-              <p:ext uri="{386F3935-93C4-4BCD-93E2-E3B085C9AB24}">
-                <p16:designElem xmlns:p16="http://schemas.microsoft.com/office/powerpoint/2015/main" val="1"/>
-              </p:ext>
-            </p:extLst>
-          </p:nvPr>
-        </p:nvSpPr>
-        <p:spPr>
-          <a:xfrm>
-            <a:off x="0" y="6501384"/>
-            <a:ext cx="5852160" cy="356616"/>
-          </a:xfrm>
-          <a:prstGeom prst="rect">
-            <a:avLst/>
-          </a:prstGeom>
-          <a:solidFill>
-            <a:schemeClr val="accent1"/>
-          </a:solidFill>
-          <a:ln>
-            <a:noFill/>
-          </a:ln>
-        </p:spPr>
-        <p:style>
-          <a:lnRef idx="2">
-            <a:schemeClr val="accent1">
-              <a:shade val="50000"/>
-            </a:schemeClr>
-          </a:lnRef>
-          <a:fillRef idx="1">
-            <a:schemeClr val="accent1"/>
-          </a:fillRef>
-          <a:effectRef idx="0">
-            <a:schemeClr val="accent1"/>
-          </a:effectRef>
-          <a:fontRef idx="minor">
-            <a:schemeClr val="lt1"/>
-          </a:fontRef>
-        </p:style>
-        <p:txBody>
-          <a:bodyPr rtlCol="0" anchor="ctr"/>
-          <a:lstStyle/>
-          <a:p>
-            <a:pPr algn="ctr"/>
-            <a:endParaRPr lang="en-US"/>
-          </a:p>
-        </p:txBody>
-      </p:sp>
       <p:sp>
         <p:nvSpPr>
           <p:cNvPr id="6" name="TextBox 5">
@@ -12751,7 +11884,7 @@
 </p:sld>
 </file>
 
-<file path=ppt/slides/slide13.xml><?xml version="1.0" encoding="utf-8"?>
+<file path=ppt/slides/slide14.xml><?xml version="1.0" encoding="utf-8"?>
 <p:sld xmlns:a="http://schemas.openxmlformats.org/drawingml/2006/main" xmlns:r="http://schemas.openxmlformats.org/officeDocument/2006/relationships" xmlns:p="http://schemas.openxmlformats.org/presentationml/2006/main">
   <p:cSld>
     <p:bg>
@@ -13276,7 +12409,7 @@
           <a:p>
             <a:r>
               <a:rPr lang="en-US" dirty="0"/>
-              <a:t>The correlogram on the bottom right suggests that there is no autocorrelation in the residuals. Therefore, these residuals are not correlated and the mean is close to zero.</a:t>
+              <a:t>The correlogram on the bottom right suggests that there is no autocorrelation in the residuals. Therefore, these residuals are not correlated, and the mean is close to zero.</a:t>
             </a:r>
           </a:p>
         </p:txBody>
@@ -13302,7 +12435,7 @@
 </p:sld>
 </file>
 
-<file path=ppt/slides/slide14.xml><?xml version="1.0" encoding="utf-8"?>
+<file path=ppt/slides/slide15.xml><?xml version="1.0" encoding="utf-8"?>
 <p:sld xmlns:a="http://schemas.openxmlformats.org/drawingml/2006/main" xmlns:r="http://schemas.openxmlformats.org/officeDocument/2006/relationships" xmlns:p="http://schemas.openxmlformats.org/presentationml/2006/main">
   <p:cSld>
     <p:bg>
@@ -13796,7 +12929,7 @@
             </a:pPr>
             <a:r>
               <a:rPr lang="en-US" sz="2000" dirty="0"/>
-              <a:t> The states of California, Washington, Texas, New York and Pennsylvania would see higher sales. So maintain the sufficient inventories and staff levels in these places.</a:t>
+              <a:t> The states of California, Washington, Texas, New York and Pennsylvania would see higher sales. So, maintain the sufficient inventories and staff levels in these places.</a:t>
             </a:r>
           </a:p>
           <a:p>
@@ -13826,7 +12959,7 @@
             </a:pPr>
             <a:r>
               <a:rPr lang="en-US" sz="2000" dirty="0"/>
-              <a:t> Standard and Second class Shipping modes are important for the business and hence shipping arrangements need to be made appropriately</a:t>
+              <a:t> Standard and Second-class Shipping modes are important for the business and hence shipping arrangements need to be made appropriately</a:t>
             </a:r>
           </a:p>
           <a:p>
@@ -13862,7 +12995,7 @@
 </p:sld>
 </file>
 
-<file path=ppt/slides/slide15.xml><?xml version="1.0" encoding="utf-8"?>
+<file path=ppt/slides/slide16.xml><?xml version="1.0" encoding="utf-8"?>
 <p:sld xmlns:a="http://schemas.openxmlformats.org/drawingml/2006/main" xmlns:r="http://schemas.openxmlformats.org/officeDocument/2006/relationships" xmlns:p="http://schemas.openxmlformats.org/presentationml/2006/main">
   <p:cSld>
     <p:bg>
@@ -14244,7 +13377,7 @@
             <p:ph idx="1"/>
             <p:extLst>
               <p:ext uri="{D42A27DB-BD31-4B8C-83A1-F6EECF244321}">
-                <p14:modId xmlns:p14="http://schemas.microsoft.com/office/powerpoint/2010/main" val="696407767"/>
+                <p14:modId xmlns:p14="http://schemas.microsoft.com/office/powerpoint/2010/main" val="2369234342"/>
               </p:ext>
             </p:extLst>
           </p:nvPr>
@@ -14280,7 +13413,7 @@
 </p:sld>
 </file>
 
-<file path=ppt/slides/slide16.xml><?xml version="1.0" encoding="utf-8"?>
+<file path=ppt/slides/slide17.xml><?xml version="1.0" encoding="utf-8"?>
 <p:sld xmlns:a="http://schemas.openxmlformats.org/drawingml/2006/main" xmlns:r="http://schemas.openxmlformats.org/officeDocument/2006/relationships" xmlns:p="http://schemas.openxmlformats.org/presentationml/2006/main">
   <p:cSld>
     <p:bg>
@@ -14915,7 +14048,7 @@
 </p:sld>
 </file>
 
-<file path=ppt/slides/slide17.xml><?xml version="1.0" encoding="utf-8"?>
+<file path=ppt/slides/slide18.xml><?xml version="1.0" encoding="utf-8"?>
 <p:sld xmlns:a="http://schemas.openxmlformats.org/drawingml/2006/main" xmlns:r="http://schemas.openxmlformats.org/officeDocument/2006/relationships" xmlns:p="http://schemas.openxmlformats.org/presentationml/2006/main">
   <p:cSld>
     <p:bg>
@@ -15987,7 +15120,7 @@
             <p:ph idx="1"/>
             <p:extLst>
               <p:ext uri="{D42A27DB-BD31-4B8C-83A1-F6EECF244321}">
-                <p14:modId xmlns:p14="http://schemas.microsoft.com/office/powerpoint/2010/main" val="17846974"/>
+                <p14:modId xmlns:p14="http://schemas.microsoft.com/office/powerpoint/2010/main" val="3988515371"/>
               </p:ext>
             </p:extLst>
           </p:nvPr>
@@ -16583,7 +15716,9 @@
           </a:xfrm>
         </p:spPr>
         <p:txBody>
-          <a:bodyPr/>
+          <a:bodyPr>
+            <a:normAutofit fontScale="92500" lnSpcReduction="10000"/>
+          </a:bodyPr>
           <a:lstStyle/>
           <a:p>
             <a:r>
@@ -16606,7 +15741,13 @@
           <a:p>
             <a:r>
               <a:rPr lang="en-US" dirty="0"/>
-              <a:t>Generate Insights into Sales Forecast prospective which will help maintain adequate staffing and delivery arrangements</a:t>
+              <a:t>Generate Insights from Sales data</a:t>
+            </a:r>
+          </a:p>
+          <a:p>
+            <a:r>
+              <a:rPr lang="en-US" dirty="0"/>
+              <a:t>Sales Forecast to help maintain adequate staffing through year, popular products’ inventories, supply chains for high sales regions / states and make delivery arrangements</a:t>
             </a:r>
           </a:p>
           <a:p>
@@ -17851,8 +16992,8 @@
         </p:blipFill>
         <p:spPr bwMode="auto">
           <a:xfrm>
-            <a:off x="139727" y="2140299"/>
-            <a:ext cx="6464386" cy="3737987"/>
+            <a:off x="5174901" y="1928621"/>
+            <a:ext cx="6975708" cy="3737987"/>
           </a:xfrm>
           <a:prstGeom prst="rect">
             <a:avLst/>
@@ -17897,8 +17038,8 @@
         </p:blipFill>
         <p:spPr bwMode="auto">
           <a:xfrm>
-            <a:off x="6656664" y="2170447"/>
-            <a:ext cx="5536235" cy="3626233"/>
+            <a:off x="41391" y="1956576"/>
+            <a:ext cx="4898940" cy="3710032"/>
           </a:xfrm>
           <a:prstGeom prst="rect">
             <a:avLst/>
@@ -20666,10 +19807,10 @@
       </p:grpSpPr>
       <p:sp useBgFill="1">
         <p:nvSpPr>
-          <p:cNvPr id="138" name="Rectangle 137">
+          <p:cNvPr id="201" name="Rectangle 200">
             <a:extLst>
               <a:ext uri="{FF2B5EF4-FFF2-40B4-BE49-F238E27FC236}">
-                <a16:creationId xmlns:a16="http://schemas.microsoft.com/office/drawing/2014/main" id="{3AFE8227-C443-417B-BA91-520EB1EF4559}"/>
+                <a16:creationId xmlns:a16="http://schemas.microsoft.com/office/drawing/2014/main" id="{D55CD764-972B-4CA5-A885-53E55C63E174}"/>
               </a:ext>
               <a:ext uri="{C183D7F6-B498-43B3-948B-1728B52AA6E4}">
                 <adec:decorative xmlns:adec="http://schemas.microsoft.com/office/drawing/2017/decorative" val="1"/>
@@ -20689,8 +19830,8 @@
         </p:nvSpPr>
         <p:spPr>
           <a:xfrm>
-            <a:off x="0" y="2"/>
-            <a:ext cx="12192000" cy="6857997"/>
+            <a:off x="0" y="0"/>
+            <a:ext cx="12188952" cy="6858000"/>
           </a:xfrm>
           <a:prstGeom prst="rect">
             <a:avLst/>
@@ -20726,131 +19867,10 @@
       </p:sp>
       <p:sp>
         <p:nvSpPr>
-          <p:cNvPr id="2" name="Title 1">
+          <p:cNvPr id="203" name="Rectangle 202">
             <a:extLst>
               <a:ext uri="{FF2B5EF4-FFF2-40B4-BE49-F238E27FC236}">
-                <a16:creationId xmlns:a16="http://schemas.microsoft.com/office/drawing/2014/main" id="{DEE2B2ED-7605-4B21-96CB-F2D2D3983706}"/>
-              </a:ext>
-            </a:extLst>
-          </p:cNvPr>
-          <p:cNvSpPr>
-            <a:spLocks noGrp="1"/>
-          </p:cNvSpPr>
-          <p:nvPr>
-            <p:ph type="title"/>
-          </p:nvPr>
-        </p:nvSpPr>
-        <p:spPr>
-          <a:xfrm>
-            <a:off x="8643193" y="489507"/>
-            <a:ext cx="3091607" cy="1655483"/>
-          </a:xfrm>
-        </p:spPr>
-        <p:txBody>
-          <a:bodyPr vert="horz" lIns="91440" tIns="45720" rIns="91440" bIns="45720" rtlCol="0" anchor="b">
-            <a:normAutofit/>
-          </a:bodyPr>
-          <a:lstStyle/>
-          <a:p>
-            <a:r>
-              <a:rPr lang="en-US" sz="3400" b="1" kern="1200">
-                <a:latin typeface="+mj-lt"/>
-                <a:ea typeface="+mj-ea"/>
-                <a:cs typeface="+mj-cs"/>
-              </a:rPr>
-              <a:t>Machine Learning Models and Evaluation</a:t>
-            </a:r>
-          </a:p>
-        </p:txBody>
-      </p:sp>
-      <p:pic>
-        <p:nvPicPr>
-          <p:cNvPr id="134" name="Picture 133" descr="Complex maths formulae on a blackboard">
-            <a:extLst>
-              <a:ext uri="{FF2B5EF4-FFF2-40B4-BE49-F238E27FC236}">
-                <a16:creationId xmlns:a16="http://schemas.microsoft.com/office/drawing/2014/main" id="{7F200488-5D58-45E3-867F-B017DD7341EE}"/>
-              </a:ext>
-            </a:extLst>
-          </p:cNvPr>
-          <p:cNvPicPr>
-            <a:picLocks noChangeAspect="1"/>
-          </p:cNvPicPr>
-          <p:nvPr/>
-        </p:nvPicPr>
-        <p:blipFill rotWithShape="1">
-          <a:blip r:embed="rId2"/>
-          <a:srcRect l="7555" r="-1" b="-1"/>
-          <a:stretch/>
-        </p:blipFill>
-        <p:spPr>
-          <a:xfrm>
-            <a:off x="20" y="431"/>
-            <a:ext cx="8115280" cy="6408311"/>
-          </a:xfrm>
-          <a:prstGeom prst="rect">
-            <a:avLst/>
-          </a:prstGeom>
-        </p:spPr>
-      </p:pic>
-      <p:sp>
-        <p:nvSpPr>
-          <p:cNvPr id="6" name="Content Placeholder 5">
-            <a:extLst>
-              <a:ext uri="{FF2B5EF4-FFF2-40B4-BE49-F238E27FC236}">
-                <a16:creationId xmlns:a16="http://schemas.microsoft.com/office/drawing/2014/main" id="{4F5C6A67-315E-497E-B92D-5421D2FCFC0D}"/>
-              </a:ext>
-            </a:extLst>
-          </p:cNvPr>
-          <p:cNvSpPr>
-            <a:spLocks noGrp="1"/>
-          </p:cNvSpPr>
-          <p:nvPr>
-            <p:ph idx="1"/>
-          </p:nvPr>
-        </p:nvSpPr>
-        <p:spPr>
-          <a:xfrm>
-            <a:off x="8643193" y="2418408"/>
-            <a:ext cx="2942813" cy="3540265"/>
-          </a:xfrm>
-        </p:spPr>
-        <p:txBody>
-          <a:bodyPr>
-            <a:normAutofit/>
-          </a:bodyPr>
-          <a:lstStyle/>
-          <a:p>
-            <a:r>
-              <a:rPr lang="en-US" sz="2000"/>
-              <a:t>SARIMA</a:t>
-            </a:r>
-          </a:p>
-          <a:p>
-            <a:r>
-              <a:rPr lang="en-US" sz="2000"/>
-              <a:t>Prophet (fbprophet)</a:t>
-            </a:r>
-          </a:p>
-          <a:p>
-            <a:r>
-              <a:rPr lang="en-US" sz="2000"/>
-              <a:t>Neural Prophet</a:t>
-            </a:r>
-          </a:p>
-          <a:p>
-            <a:r>
-              <a:rPr lang="en-US" sz="2000"/>
-              <a:t>LSTM</a:t>
-            </a:r>
-          </a:p>
-        </p:txBody>
-      </p:sp>
-      <p:sp>
-        <p:nvSpPr>
-          <p:cNvPr id="140" name="Rectangle 139">
-            <a:extLst>
-              <a:ext uri="{FF2B5EF4-FFF2-40B4-BE49-F238E27FC236}">
-                <a16:creationId xmlns:a16="http://schemas.microsoft.com/office/drawing/2014/main" id="{907741FC-B544-4A6E-B831-6789D042333D}"/>
+                <a16:creationId xmlns:a16="http://schemas.microsoft.com/office/drawing/2014/main" id="{34165AB3-7006-4430-BCE3-25476BE13322}"/>
               </a:ext>
               <a:ext uri="{C183D7F6-B498-43B3-948B-1728B52AA6E4}">
                 <adec:decorative xmlns:adec="http://schemas.microsoft.com/office/drawing/2017/decorative" val="1"/>
@@ -20869,26 +19889,18 @@
           </p:nvPr>
         </p:nvSpPr>
         <p:spPr>
-          <a:xfrm flipH="1">
-            <a:off x="-1" y="6408741"/>
-            <a:ext cx="12191998" cy="457202"/>
+          <a:xfrm>
+            <a:off x="0" y="1885362"/>
+            <a:ext cx="5291468" cy="4972638"/>
           </a:xfrm>
           <a:prstGeom prst="rect">
             <a:avLst/>
           </a:prstGeom>
-          <a:gradFill>
-            <a:gsLst>
-              <a:gs pos="34000">
-                <a:srgbClr val="000000">
-                  <a:alpha val="96000"/>
-                </a:srgbClr>
-              </a:gs>
-              <a:gs pos="100000">
-                <a:schemeClr val="accent1"/>
-              </a:gs>
-            </a:gsLst>
-            <a:lin ang="8400000" scaled="0"/>
-          </a:gradFill>
+          <a:solidFill>
+            <a:schemeClr val="bg1">
+              <a:lumMod val="95000"/>
+            </a:schemeClr>
+          </a:solidFill>
           <a:ln>
             <a:noFill/>
           </a:ln>
@@ -20920,10 +19932,1356 @@
       </p:sp>
       <p:sp>
         <p:nvSpPr>
-          <p:cNvPr id="142" name="Rectangle 141">
+          <p:cNvPr id="18" name="TextBox 17">
             <a:extLst>
               <a:ext uri="{FF2B5EF4-FFF2-40B4-BE49-F238E27FC236}">
-                <a16:creationId xmlns:a16="http://schemas.microsoft.com/office/drawing/2014/main" id="{3F0BE7ED-7814-4273-B18A-F26CC0380380}"/>
+                <a16:creationId xmlns:a16="http://schemas.microsoft.com/office/drawing/2014/main" id="{01D2838B-2958-4428-890B-918FB081BEC5}"/>
+              </a:ext>
+            </a:extLst>
+          </p:cNvPr>
+          <p:cNvSpPr txBox="1"/>
+          <p:nvPr/>
+        </p:nvSpPr>
+        <p:spPr>
+          <a:xfrm>
+            <a:off x="594360" y="2330906"/>
+            <a:ext cx="4329058" cy="3734682"/>
+          </a:xfrm>
+          <a:prstGeom prst="rect">
+            <a:avLst/>
+          </a:prstGeom>
+        </p:spPr>
+        <p:txBody>
+          <a:bodyPr vert="horz" lIns="91440" tIns="45720" rIns="91440" bIns="45720" rtlCol="0" anchor="ctr">
+            <a:normAutofit/>
+          </a:bodyPr>
+          <a:lstStyle/>
+          <a:p>
+            <a:pPr>
+              <a:lnSpc>
+                <a:spcPct val="90000"/>
+              </a:lnSpc>
+              <a:spcBef>
+                <a:spcPct val="0"/>
+              </a:spcBef>
+              <a:spcAft>
+                <a:spcPts val="600"/>
+              </a:spcAft>
+            </a:pPr>
+            <a:r>
+              <a:rPr lang="en-US" sz="5400" b="1" dirty="0">
+                <a:latin typeface="+mj-lt"/>
+                <a:ea typeface="+mj-ea"/>
+                <a:cs typeface="+mj-cs"/>
+              </a:rPr>
+              <a:t>Features Analysis and Methods </a:t>
+            </a:r>
+            <a:r>
+              <a:rPr lang="en-US" sz="3500" b="1" dirty="0">
+                <a:latin typeface="+mj-lt"/>
+                <a:ea typeface="+mj-ea"/>
+                <a:cs typeface="+mj-cs"/>
+              </a:rPr>
+              <a:t>(Seasonality / Stationary test)</a:t>
+            </a:r>
+          </a:p>
+        </p:txBody>
+      </p:sp>
+      <p:pic>
+        <p:nvPicPr>
+          <p:cNvPr id="29" name="Picture 28" descr="Timeline&#10;&#10;Description automatically generated">
+            <a:extLst>
+              <a:ext uri="{FF2B5EF4-FFF2-40B4-BE49-F238E27FC236}">
+                <a16:creationId xmlns:a16="http://schemas.microsoft.com/office/drawing/2014/main" id="{912D30C0-72A4-43B5-B3FC-49292AD58AC3}"/>
+              </a:ext>
+            </a:extLst>
+          </p:cNvPr>
+          <p:cNvPicPr>
+            <a:picLocks noChangeAspect="1"/>
+          </p:cNvPicPr>
+          <p:nvPr/>
+        </p:nvPicPr>
+        <p:blipFill>
+          <a:blip r:embed="rId2">
+            <a:extLst>
+              <a:ext uri="{28A0092B-C50C-407E-A947-70E740481C1C}">
+                <a14:useLocalDpi xmlns:a14="http://schemas.microsoft.com/office/drawing/2010/main" val="0"/>
+              </a:ext>
+            </a:extLst>
+          </a:blip>
+          <a:stretch>
+            <a:fillRect/>
+          </a:stretch>
+        </p:blipFill>
+        <p:spPr bwMode="auto">
+          <a:xfrm>
+            <a:off x="5517777" y="788724"/>
+            <a:ext cx="6504833" cy="3362006"/>
+          </a:xfrm>
+          <a:prstGeom prst="rect">
+            <a:avLst/>
+          </a:prstGeom>
+          <a:noFill/>
+        </p:spPr>
+      </p:pic>
+      <p:grpSp>
+        <p:nvGrpSpPr>
+          <p:cNvPr id="205" name="Group 204">
+            <a:extLst>
+              <a:ext uri="{FF2B5EF4-FFF2-40B4-BE49-F238E27FC236}">
+                <a16:creationId xmlns:a16="http://schemas.microsoft.com/office/drawing/2014/main" id="{D2FA11CF-7E1C-45D1-AF83-FB30290E7A96}"/>
+              </a:ext>
+              <a:ext uri="{C183D7F6-B498-43B3-948B-1728B52AA6E4}">
+                <adec:decorative xmlns:adec="http://schemas.microsoft.com/office/drawing/2017/decorative" val="1"/>
+              </a:ext>
+            </a:extLst>
+          </p:cNvPr>
+          <p:cNvGrpSpPr>
+            <a:grpSpLocks noGrp="1" noUngrp="1" noRot="1" noChangeAspect="1" noMove="1" noResize="1"/>
+          </p:cNvGrpSpPr>
+          <p:nvPr>
+            <p:extLst>
+              <p:ext uri="{386F3935-93C4-4BCD-93E2-E3B085C9AB24}">
+                <p16:designElem xmlns:p16="http://schemas.microsoft.com/office/powerpoint/2015/main" val="1"/>
+              </p:ext>
+            </p:extLst>
+          </p:nvPr>
+        </p:nvGrpSpPr>
+        <p:grpSpPr>
+          <a:xfrm>
+            <a:off x="56167" y="3520440"/>
+            <a:ext cx="232963" cy="1340860"/>
+            <a:chOff x="56167" y="3520440"/>
+            <a:chExt cx="232963" cy="1340860"/>
+          </a:xfrm>
+        </p:grpSpPr>
+        <p:sp>
+          <p:nvSpPr>
+            <p:cNvPr id="206" name="Rectangle 2">
+              <a:extLst>
+                <a:ext uri="{FF2B5EF4-FFF2-40B4-BE49-F238E27FC236}">
+                  <a16:creationId xmlns:a16="http://schemas.microsoft.com/office/drawing/2014/main" id="{D9A5D638-5623-4213-A01B-B975EDE85770}"/>
+                </a:ext>
+                <a:ext uri="{C183D7F6-B498-43B3-948B-1728B52AA6E4}">
+                  <adec:decorative xmlns:adec="http://schemas.microsoft.com/office/drawing/2017/decorative" val="1"/>
+                </a:ext>
+              </a:extLst>
+            </p:cNvPr>
+            <p:cNvSpPr/>
+            <p:nvPr>
+              <p:extLst>
+                <p:ext uri="{386F3935-93C4-4BCD-93E2-E3B085C9AB24}">
+                  <p16:designElem xmlns:p16="http://schemas.microsoft.com/office/powerpoint/2015/main" val="1"/>
+                </p:ext>
+              </p:extLst>
+            </p:nvPr>
+          </p:nvSpPr>
+          <p:spPr>
+            <a:xfrm rot="5400000">
+              <a:off x="228600" y="4090199"/>
+              <a:ext cx="61834" cy="59227"/>
+            </a:xfrm>
+            <a:prstGeom prst="ellipse">
+              <a:avLst/>
+            </a:prstGeom>
+            <a:solidFill>
+              <a:schemeClr val="accent1"/>
+            </a:solidFill>
+            <a:ln>
+              <a:noFill/>
+            </a:ln>
+          </p:spPr>
+          <p:style>
+            <a:lnRef idx="2">
+              <a:schemeClr val="accent1">
+                <a:shade val="50000"/>
+              </a:schemeClr>
+            </a:lnRef>
+            <a:fillRef idx="1">
+              <a:schemeClr val="accent1"/>
+            </a:fillRef>
+            <a:effectRef idx="0">
+              <a:schemeClr val="accent1"/>
+            </a:effectRef>
+            <a:fontRef idx="minor">
+              <a:schemeClr val="lt1"/>
+            </a:fontRef>
+          </p:style>
+          <p:txBody>
+            <a:bodyPr rtlCol="0" anchor="ctr"/>
+            <a:lstStyle/>
+            <a:p>
+              <a:pPr algn="ctr"/>
+              <a:endParaRPr lang="en-US"/>
+            </a:p>
+          </p:txBody>
+        </p:sp>
+        <p:sp>
+          <p:nvSpPr>
+            <p:cNvPr id="207" name="Rectangle 59">
+              <a:extLst>
+                <a:ext uri="{FF2B5EF4-FFF2-40B4-BE49-F238E27FC236}">
+                  <a16:creationId xmlns:a16="http://schemas.microsoft.com/office/drawing/2014/main" id="{49FAEF43-0C1F-41A1-A996-2571DC189CE3}"/>
+                </a:ext>
+                <a:ext uri="{C183D7F6-B498-43B3-948B-1728B52AA6E4}">
+                  <adec:decorative xmlns:adec="http://schemas.microsoft.com/office/drawing/2017/decorative" val="1"/>
+                </a:ext>
+              </a:extLst>
+            </p:cNvPr>
+            <p:cNvSpPr/>
+            <p:nvPr>
+              <p:extLst>
+                <p:ext uri="{386F3935-93C4-4BCD-93E2-E3B085C9AB24}">
+                  <p16:designElem xmlns:p16="http://schemas.microsoft.com/office/powerpoint/2015/main" val="1"/>
+                </p:ext>
+              </p:extLst>
+            </p:nvPr>
+          </p:nvSpPr>
+          <p:spPr>
+            <a:xfrm rot="5400000">
+              <a:off x="54864" y="4090199"/>
+              <a:ext cx="61834" cy="59227"/>
+            </a:xfrm>
+            <a:prstGeom prst="ellipse">
+              <a:avLst/>
+            </a:prstGeom>
+            <a:solidFill>
+              <a:schemeClr val="accent1"/>
+            </a:solidFill>
+            <a:ln>
+              <a:noFill/>
+            </a:ln>
+          </p:spPr>
+          <p:style>
+            <a:lnRef idx="2">
+              <a:schemeClr val="accent1">
+                <a:shade val="50000"/>
+              </a:schemeClr>
+            </a:lnRef>
+            <a:fillRef idx="1">
+              <a:schemeClr val="accent1"/>
+            </a:fillRef>
+            <a:effectRef idx="0">
+              <a:schemeClr val="accent1"/>
+            </a:effectRef>
+            <a:fontRef idx="minor">
+              <a:schemeClr val="lt1"/>
+            </a:fontRef>
+          </p:style>
+          <p:txBody>
+            <a:bodyPr rtlCol="0" anchor="ctr"/>
+            <a:lstStyle/>
+            <a:p>
+              <a:pPr algn="ctr"/>
+              <a:endParaRPr lang="en-US"/>
+            </a:p>
+          </p:txBody>
+        </p:sp>
+        <p:sp>
+          <p:nvSpPr>
+            <p:cNvPr id="208" name="Rectangle 2">
+              <a:extLst>
+                <a:ext uri="{FF2B5EF4-FFF2-40B4-BE49-F238E27FC236}">
+                  <a16:creationId xmlns:a16="http://schemas.microsoft.com/office/drawing/2014/main" id="{B71E1FD7-9876-44E0-9058-EFB33BF72A06}"/>
+                </a:ext>
+                <a:ext uri="{C183D7F6-B498-43B3-948B-1728B52AA6E4}">
+                  <adec:decorative xmlns:adec="http://schemas.microsoft.com/office/drawing/2017/decorative" val="1"/>
+                </a:ext>
+              </a:extLst>
+            </p:cNvPr>
+            <p:cNvSpPr/>
+            <p:nvPr>
+              <p:extLst>
+                <p:ext uri="{386F3935-93C4-4BCD-93E2-E3B085C9AB24}">
+                  <p16:designElem xmlns:p16="http://schemas.microsoft.com/office/powerpoint/2015/main" val="1"/>
+                </p:ext>
+              </p:extLst>
+            </p:nvPr>
+          </p:nvSpPr>
+          <p:spPr>
+            <a:xfrm rot="5400000">
+              <a:off x="228600" y="3948085"/>
+              <a:ext cx="61834" cy="59227"/>
+            </a:xfrm>
+            <a:prstGeom prst="ellipse">
+              <a:avLst/>
+            </a:prstGeom>
+            <a:solidFill>
+              <a:schemeClr val="accent1"/>
+            </a:solidFill>
+            <a:ln>
+              <a:noFill/>
+            </a:ln>
+          </p:spPr>
+          <p:style>
+            <a:lnRef idx="2">
+              <a:schemeClr val="accent1">
+                <a:shade val="50000"/>
+              </a:schemeClr>
+            </a:lnRef>
+            <a:fillRef idx="1">
+              <a:schemeClr val="accent1"/>
+            </a:fillRef>
+            <a:effectRef idx="0">
+              <a:schemeClr val="accent1"/>
+            </a:effectRef>
+            <a:fontRef idx="minor">
+              <a:schemeClr val="lt1"/>
+            </a:fontRef>
+          </p:style>
+          <p:txBody>
+            <a:bodyPr rtlCol="0" anchor="ctr"/>
+            <a:lstStyle/>
+            <a:p>
+              <a:pPr algn="ctr"/>
+              <a:endParaRPr lang="en-US"/>
+            </a:p>
+          </p:txBody>
+        </p:sp>
+        <p:sp>
+          <p:nvSpPr>
+            <p:cNvPr id="209" name="Rectangle 59">
+              <a:extLst>
+                <a:ext uri="{FF2B5EF4-FFF2-40B4-BE49-F238E27FC236}">
+                  <a16:creationId xmlns:a16="http://schemas.microsoft.com/office/drawing/2014/main" id="{C3106AC1-7452-4272-8771-CC869188852B}"/>
+                </a:ext>
+                <a:ext uri="{C183D7F6-B498-43B3-948B-1728B52AA6E4}">
+                  <adec:decorative xmlns:adec="http://schemas.microsoft.com/office/drawing/2017/decorative" val="1"/>
+                </a:ext>
+              </a:extLst>
+            </p:cNvPr>
+            <p:cNvSpPr/>
+            <p:nvPr>
+              <p:extLst>
+                <p:ext uri="{386F3935-93C4-4BCD-93E2-E3B085C9AB24}">
+                  <p16:designElem xmlns:p16="http://schemas.microsoft.com/office/powerpoint/2015/main" val="1"/>
+                </p:ext>
+              </p:extLst>
+            </p:nvPr>
+          </p:nvSpPr>
+          <p:spPr>
+            <a:xfrm rot="5400000">
+              <a:off x="54864" y="3948085"/>
+              <a:ext cx="61834" cy="59227"/>
+            </a:xfrm>
+            <a:prstGeom prst="ellipse">
+              <a:avLst/>
+            </a:prstGeom>
+            <a:solidFill>
+              <a:schemeClr val="accent1"/>
+            </a:solidFill>
+            <a:ln>
+              <a:noFill/>
+            </a:ln>
+          </p:spPr>
+          <p:style>
+            <a:lnRef idx="2">
+              <a:schemeClr val="accent1">
+                <a:shade val="50000"/>
+              </a:schemeClr>
+            </a:lnRef>
+            <a:fillRef idx="1">
+              <a:schemeClr val="accent1"/>
+            </a:fillRef>
+            <a:effectRef idx="0">
+              <a:schemeClr val="accent1"/>
+            </a:effectRef>
+            <a:fontRef idx="minor">
+              <a:schemeClr val="lt1"/>
+            </a:fontRef>
+          </p:style>
+          <p:txBody>
+            <a:bodyPr rtlCol="0" anchor="ctr"/>
+            <a:lstStyle/>
+            <a:p>
+              <a:pPr algn="ctr"/>
+              <a:endParaRPr lang="en-US"/>
+            </a:p>
+          </p:txBody>
+        </p:sp>
+        <p:sp>
+          <p:nvSpPr>
+            <p:cNvPr id="210" name="Rectangle 2">
+              <a:extLst>
+                <a:ext uri="{FF2B5EF4-FFF2-40B4-BE49-F238E27FC236}">
+                  <a16:creationId xmlns:a16="http://schemas.microsoft.com/office/drawing/2014/main" id="{48D42EAE-FF17-4C17-9527-E25341B54724}"/>
+                </a:ext>
+                <a:ext uri="{C183D7F6-B498-43B3-948B-1728B52AA6E4}">
+                  <adec:decorative xmlns:adec="http://schemas.microsoft.com/office/drawing/2017/decorative" val="1"/>
+                </a:ext>
+              </a:extLst>
+            </p:cNvPr>
+            <p:cNvSpPr/>
+            <p:nvPr>
+              <p:extLst>
+                <p:ext uri="{386F3935-93C4-4BCD-93E2-E3B085C9AB24}">
+                  <p16:designElem xmlns:p16="http://schemas.microsoft.com/office/powerpoint/2015/main" val="1"/>
+                </p:ext>
+              </p:extLst>
+            </p:nvPr>
+          </p:nvSpPr>
+          <p:spPr>
+            <a:xfrm rot="5400000">
+              <a:off x="228600" y="3805971"/>
+              <a:ext cx="61834" cy="59227"/>
+            </a:xfrm>
+            <a:prstGeom prst="ellipse">
+              <a:avLst/>
+            </a:prstGeom>
+            <a:solidFill>
+              <a:schemeClr val="accent1"/>
+            </a:solidFill>
+            <a:ln>
+              <a:noFill/>
+            </a:ln>
+          </p:spPr>
+          <p:style>
+            <a:lnRef idx="2">
+              <a:schemeClr val="accent1">
+                <a:shade val="50000"/>
+              </a:schemeClr>
+            </a:lnRef>
+            <a:fillRef idx="1">
+              <a:schemeClr val="accent1"/>
+            </a:fillRef>
+            <a:effectRef idx="0">
+              <a:schemeClr val="accent1"/>
+            </a:effectRef>
+            <a:fontRef idx="minor">
+              <a:schemeClr val="lt1"/>
+            </a:fontRef>
+          </p:style>
+          <p:txBody>
+            <a:bodyPr rtlCol="0" anchor="ctr"/>
+            <a:lstStyle/>
+            <a:p>
+              <a:pPr algn="ctr"/>
+              <a:endParaRPr lang="en-US"/>
+            </a:p>
+          </p:txBody>
+        </p:sp>
+        <p:sp>
+          <p:nvSpPr>
+            <p:cNvPr id="211" name="Rectangle 59">
+              <a:extLst>
+                <a:ext uri="{FF2B5EF4-FFF2-40B4-BE49-F238E27FC236}">
+                  <a16:creationId xmlns:a16="http://schemas.microsoft.com/office/drawing/2014/main" id="{32186FF9-232E-48FA-AA51-9F0F1D2BBDFB}"/>
+                </a:ext>
+                <a:ext uri="{C183D7F6-B498-43B3-948B-1728B52AA6E4}">
+                  <adec:decorative xmlns:adec="http://schemas.microsoft.com/office/drawing/2017/decorative" val="1"/>
+                </a:ext>
+              </a:extLst>
+            </p:cNvPr>
+            <p:cNvSpPr/>
+            <p:nvPr>
+              <p:extLst>
+                <p:ext uri="{386F3935-93C4-4BCD-93E2-E3B085C9AB24}">
+                  <p16:designElem xmlns:p16="http://schemas.microsoft.com/office/powerpoint/2015/main" val="1"/>
+                </p:ext>
+              </p:extLst>
+            </p:nvPr>
+          </p:nvSpPr>
+          <p:spPr>
+            <a:xfrm rot="5400000">
+              <a:off x="54864" y="3805971"/>
+              <a:ext cx="61834" cy="59227"/>
+            </a:xfrm>
+            <a:prstGeom prst="ellipse">
+              <a:avLst/>
+            </a:prstGeom>
+            <a:solidFill>
+              <a:schemeClr val="accent1"/>
+            </a:solidFill>
+            <a:ln>
+              <a:noFill/>
+            </a:ln>
+          </p:spPr>
+          <p:style>
+            <a:lnRef idx="2">
+              <a:schemeClr val="accent1">
+                <a:shade val="50000"/>
+              </a:schemeClr>
+            </a:lnRef>
+            <a:fillRef idx="1">
+              <a:schemeClr val="accent1"/>
+            </a:fillRef>
+            <a:effectRef idx="0">
+              <a:schemeClr val="accent1"/>
+            </a:effectRef>
+            <a:fontRef idx="minor">
+              <a:schemeClr val="lt1"/>
+            </a:fontRef>
+          </p:style>
+          <p:txBody>
+            <a:bodyPr rtlCol="0" anchor="ctr"/>
+            <a:lstStyle/>
+            <a:p>
+              <a:pPr algn="ctr"/>
+              <a:endParaRPr lang="en-US"/>
+            </a:p>
+          </p:txBody>
+        </p:sp>
+        <p:sp>
+          <p:nvSpPr>
+            <p:cNvPr id="212" name="Rectangle 2">
+              <a:extLst>
+                <a:ext uri="{FF2B5EF4-FFF2-40B4-BE49-F238E27FC236}">
+                  <a16:creationId xmlns:a16="http://schemas.microsoft.com/office/drawing/2014/main" id="{8DF1FE35-F0AA-4B60-B1F6-66BCFD898461}"/>
+                </a:ext>
+                <a:ext uri="{C183D7F6-B498-43B3-948B-1728B52AA6E4}">
+                  <adec:decorative xmlns:adec="http://schemas.microsoft.com/office/drawing/2017/decorative" val="1"/>
+                </a:ext>
+              </a:extLst>
+            </p:cNvPr>
+            <p:cNvSpPr/>
+            <p:nvPr>
+              <p:extLst>
+                <p:ext uri="{386F3935-93C4-4BCD-93E2-E3B085C9AB24}">
+                  <p16:designElem xmlns:p16="http://schemas.microsoft.com/office/powerpoint/2015/main" val="1"/>
+                </p:ext>
+              </p:extLst>
+            </p:nvPr>
+          </p:nvSpPr>
+          <p:spPr>
+            <a:xfrm rot="5400000">
+              <a:off x="228600" y="3663857"/>
+              <a:ext cx="61834" cy="59227"/>
+            </a:xfrm>
+            <a:prstGeom prst="ellipse">
+              <a:avLst/>
+            </a:prstGeom>
+            <a:solidFill>
+              <a:schemeClr val="accent1"/>
+            </a:solidFill>
+            <a:ln>
+              <a:noFill/>
+            </a:ln>
+          </p:spPr>
+          <p:style>
+            <a:lnRef idx="2">
+              <a:schemeClr val="accent1">
+                <a:shade val="50000"/>
+              </a:schemeClr>
+            </a:lnRef>
+            <a:fillRef idx="1">
+              <a:schemeClr val="accent1"/>
+            </a:fillRef>
+            <a:effectRef idx="0">
+              <a:schemeClr val="accent1"/>
+            </a:effectRef>
+            <a:fontRef idx="minor">
+              <a:schemeClr val="lt1"/>
+            </a:fontRef>
+          </p:style>
+          <p:txBody>
+            <a:bodyPr rtlCol="0" anchor="ctr"/>
+            <a:lstStyle/>
+            <a:p>
+              <a:pPr algn="ctr"/>
+              <a:endParaRPr lang="en-US"/>
+            </a:p>
+          </p:txBody>
+        </p:sp>
+        <p:sp>
+          <p:nvSpPr>
+            <p:cNvPr id="213" name="Rectangle 59">
+              <a:extLst>
+                <a:ext uri="{FF2B5EF4-FFF2-40B4-BE49-F238E27FC236}">
+                  <a16:creationId xmlns:a16="http://schemas.microsoft.com/office/drawing/2014/main" id="{393ADDF8-5DDE-4DCF-B016-84D1D9180D5E}"/>
+                </a:ext>
+                <a:ext uri="{C183D7F6-B498-43B3-948B-1728B52AA6E4}">
+                  <adec:decorative xmlns:adec="http://schemas.microsoft.com/office/drawing/2017/decorative" val="1"/>
+                </a:ext>
+              </a:extLst>
+            </p:cNvPr>
+            <p:cNvSpPr/>
+            <p:nvPr>
+              <p:extLst>
+                <p:ext uri="{386F3935-93C4-4BCD-93E2-E3B085C9AB24}">
+                  <p16:designElem xmlns:p16="http://schemas.microsoft.com/office/powerpoint/2015/main" val="1"/>
+                </p:ext>
+              </p:extLst>
+            </p:nvPr>
+          </p:nvSpPr>
+          <p:spPr>
+            <a:xfrm rot="5400000">
+              <a:off x="54864" y="3663857"/>
+              <a:ext cx="61834" cy="59227"/>
+            </a:xfrm>
+            <a:prstGeom prst="ellipse">
+              <a:avLst/>
+            </a:prstGeom>
+            <a:solidFill>
+              <a:schemeClr val="accent1"/>
+            </a:solidFill>
+            <a:ln>
+              <a:noFill/>
+            </a:ln>
+          </p:spPr>
+          <p:style>
+            <a:lnRef idx="2">
+              <a:schemeClr val="accent1">
+                <a:shade val="50000"/>
+              </a:schemeClr>
+            </a:lnRef>
+            <a:fillRef idx="1">
+              <a:schemeClr val="accent1"/>
+            </a:fillRef>
+            <a:effectRef idx="0">
+              <a:schemeClr val="accent1"/>
+            </a:effectRef>
+            <a:fontRef idx="minor">
+              <a:schemeClr val="lt1"/>
+            </a:fontRef>
+          </p:style>
+          <p:txBody>
+            <a:bodyPr rtlCol="0" anchor="ctr"/>
+            <a:lstStyle/>
+            <a:p>
+              <a:pPr algn="ctr"/>
+              <a:endParaRPr lang="en-US"/>
+            </a:p>
+          </p:txBody>
+        </p:sp>
+        <p:sp>
+          <p:nvSpPr>
+            <p:cNvPr id="214" name="Rectangle 2">
+              <a:extLst>
+                <a:ext uri="{FF2B5EF4-FFF2-40B4-BE49-F238E27FC236}">
+                  <a16:creationId xmlns:a16="http://schemas.microsoft.com/office/drawing/2014/main" id="{62009956-DEBA-49FF-97B2-86DC597B9BC2}"/>
+                </a:ext>
+                <a:ext uri="{C183D7F6-B498-43B3-948B-1728B52AA6E4}">
+                  <adec:decorative xmlns:adec="http://schemas.microsoft.com/office/drawing/2017/decorative" val="1"/>
+                </a:ext>
+              </a:extLst>
+            </p:cNvPr>
+            <p:cNvSpPr/>
+            <p:nvPr>
+              <p:extLst>
+                <p:ext uri="{386F3935-93C4-4BCD-93E2-E3B085C9AB24}">
+                  <p16:designElem xmlns:p16="http://schemas.microsoft.com/office/powerpoint/2015/main" val="1"/>
+                </p:ext>
+              </p:extLst>
+            </p:nvPr>
+          </p:nvSpPr>
+          <p:spPr>
+            <a:xfrm rot="5400000">
+              <a:off x="228600" y="3521743"/>
+              <a:ext cx="61834" cy="59227"/>
+            </a:xfrm>
+            <a:prstGeom prst="ellipse">
+              <a:avLst/>
+            </a:prstGeom>
+            <a:solidFill>
+              <a:schemeClr val="accent1"/>
+            </a:solidFill>
+            <a:ln>
+              <a:noFill/>
+            </a:ln>
+          </p:spPr>
+          <p:style>
+            <a:lnRef idx="2">
+              <a:schemeClr val="accent1">
+                <a:shade val="50000"/>
+              </a:schemeClr>
+            </a:lnRef>
+            <a:fillRef idx="1">
+              <a:schemeClr val="accent1"/>
+            </a:fillRef>
+            <a:effectRef idx="0">
+              <a:schemeClr val="accent1"/>
+            </a:effectRef>
+            <a:fontRef idx="minor">
+              <a:schemeClr val="lt1"/>
+            </a:fontRef>
+          </p:style>
+          <p:txBody>
+            <a:bodyPr rtlCol="0" anchor="ctr"/>
+            <a:lstStyle/>
+            <a:p>
+              <a:pPr algn="ctr"/>
+              <a:endParaRPr lang="en-US"/>
+            </a:p>
+          </p:txBody>
+        </p:sp>
+        <p:sp>
+          <p:nvSpPr>
+            <p:cNvPr id="215" name="Rectangle 59">
+              <a:extLst>
+                <a:ext uri="{FF2B5EF4-FFF2-40B4-BE49-F238E27FC236}">
+                  <a16:creationId xmlns:a16="http://schemas.microsoft.com/office/drawing/2014/main" id="{647B708C-A5E5-428B-990D-B0F37B9B561D}"/>
+                </a:ext>
+                <a:ext uri="{C183D7F6-B498-43B3-948B-1728B52AA6E4}">
+                  <adec:decorative xmlns:adec="http://schemas.microsoft.com/office/drawing/2017/decorative" val="1"/>
+                </a:ext>
+              </a:extLst>
+            </p:cNvPr>
+            <p:cNvSpPr/>
+            <p:nvPr>
+              <p:extLst>
+                <p:ext uri="{386F3935-93C4-4BCD-93E2-E3B085C9AB24}">
+                  <p16:designElem xmlns:p16="http://schemas.microsoft.com/office/powerpoint/2015/main" val="1"/>
+                </p:ext>
+              </p:extLst>
+            </p:nvPr>
+          </p:nvSpPr>
+          <p:spPr>
+            <a:xfrm rot="5400000">
+              <a:off x="54864" y="3521743"/>
+              <a:ext cx="61834" cy="59227"/>
+            </a:xfrm>
+            <a:prstGeom prst="ellipse">
+              <a:avLst/>
+            </a:prstGeom>
+            <a:solidFill>
+              <a:schemeClr val="accent1"/>
+            </a:solidFill>
+            <a:ln>
+              <a:noFill/>
+            </a:ln>
+          </p:spPr>
+          <p:style>
+            <a:lnRef idx="2">
+              <a:schemeClr val="accent1">
+                <a:shade val="50000"/>
+              </a:schemeClr>
+            </a:lnRef>
+            <a:fillRef idx="1">
+              <a:schemeClr val="accent1"/>
+            </a:fillRef>
+            <a:effectRef idx="0">
+              <a:schemeClr val="accent1"/>
+            </a:effectRef>
+            <a:fontRef idx="minor">
+              <a:schemeClr val="lt1"/>
+            </a:fontRef>
+          </p:style>
+          <p:txBody>
+            <a:bodyPr rtlCol="0" anchor="ctr"/>
+            <a:lstStyle/>
+            <a:p>
+              <a:pPr algn="ctr"/>
+              <a:endParaRPr lang="en-US"/>
+            </a:p>
+          </p:txBody>
+        </p:sp>
+        <p:sp>
+          <p:nvSpPr>
+            <p:cNvPr id="216" name="Rectangle 2">
+              <a:extLst>
+                <a:ext uri="{FF2B5EF4-FFF2-40B4-BE49-F238E27FC236}">
+                  <a16:creationId xmlns:a16="http://schemas.microsoft.com/office/drawing/2014/main" id="{4F6C2EE5-8E90-4D75-9ECD-0F7E90BBDC09}"/>
+                </a:ext>
+                <a:ext uri="{C183D7F6-B498-43B3-948B-1728B52AA6E4}">
+                  <adec:decorative xmlns:adec="http://schemas.microsoft.com/office/drawing/2017/decorative" val="1"/>
+                </a:ext>
+              </a:extLst>
+            </p:cNvPr>
+            <p:cNvSpPr/>
+            <p:nvPr>
+              <p:extLst>
+                <p:ext uri="{386F3935-93C4-4BCD-93E2-E3B085C9AB24}">
+                  <p16:designElem xmlns:p16="http://schemas.microsoft.com/office/powerpoint/2015/main" val="1"/>
+                </p:ext>
+              </p:extLst>
+            </p:nvPr>
+          </p:nvSpPr>
+          <p:spPr>
+            <a:xfrm rot="5400000">
+              <a:off x="228600" y="4800769"/>
+              <a:ext cx="61834" cy="59227"/>
+            </a:xfrm>
+            <a:prstGeom prst="ellipse">
+              <a:avLst/>
+            </a:prstGeom>
+            <a:solidFill>
+              <a:schemeClr val="accent1"/>
+            </a:solidFill>
+            <a:ln>
+              <a:noFill/>
+            </a:ln>
+          </p:spPr>
+          <p:style>
+            <a:lnRef idx="2">
+              <a:schemeClr val="accent1">
+                <a:shade val="50000"/>
+              </a:schemeClr>
+            </a:lnRef>
+            <a:fillRef idx="1">
+              <a:schemeClr val="accent1"/>
+            </a:fillRef>
+            <a:effectRef idx="0">
+              <a:schemeClr val="accent1"/>
+            </a:effectRef>
+            <a:fontRef idx="minor">
+              <a:schemeClr val="lt1"/>
+            </a:fontRef>
+          </p:style>
+          <p:txBody>
+            <a:bodyPr rtlCol="0" anchor="ctr"/>
+            <a:lstStyle/>
+            <a:p>
+              <a:pPr algn="ctr"/>
+              <a:endParaRPr lang="en-US"/>
+            </a:p>
+          </p:txBody>
+        </p:sp>
+        <p:sp>
+          <p:nvSpPr>
+            <p:cNvPr id="217" name="Rectangle 59">
+              <a:extLst>
+                <a:ext uri="{FF2B5EF4-FFF2-40B4-BE49-F238E27FC236}">
+                  <a16:creationId xmlns:a16="http://schemas.microsoft.com/office/drawing/2014/main" id="{D99A3D6C-C5FB-4411-8D46-2A0FF1829AC0}"/>
+                </a:ext>
+                <a:ext uri="{C183D7F6-B498-43B3-948B-1728B52AA6E4}">
+                  <adec:decorative xmlns:adec="http://schemas.microsoft.com/office/drawing/2017/decorative" val="1"/>
+                </a:ext>
+              </a:extLst>
+            </p:cNvPr>
+            <p:cNvSpPr/>
+            <p:nvPr>
+              <p:extLst>
+                <p:ext uri="{386F3935-93C4-4BCD-93E2-E3B085C9AB24}">
+                  <p16:designElem xmlns:p16="http://schemas.microsoft.com/office/powerpoint/2015/main" val="1"/>
+                </p:ext>
+              </p:extLst>
+            </p:nvPr>
+          </p:nvSpPr>
+          <p:spPr>
+            <a:xfrm rot="5400000">
+              <a:off x="54864" y="4800769"/>
+              <a:ext cx="61834" cy="59227"/>
+            </a:xfrm>
+            <a:prstGeom prst="ellipse">
+              <a:avLst/>
+            </a:prstGeom>
+            <a:solidFill>
+              <a:schemeClr val="accent1"/>
+            </a:solidFill>
+            <a:ln>
+              <a:noFill/>
+            </a:ln>
+          </p:spPr>
+          <p:style>
+            <a:lnRef idx="2">
+              <a:schemeClr val="accent1">
+                <a:shade val="50000"/>
+              </a:schemeClr>
+            </a:lnRef>
+            <a:fillRef idx="1">
+              <a:schemeClr val="accent1"/>
+            </a:fillRef>
+            <a:effectRef idx="0">
+              <a:schemeClr val="accent1"/>
+            </a:effectRef>
+            <a:fontRef idx="minor">
+              <a:schemeClr val="lt1"/>
+            </a:fontRef>
+          </p:style>
+          <p:txBody>
+            <a:bodyPr rtlCol="0" anchor="ctr"/>
+            <a:lstStyle/>
+            <a:p>
+              <a:pPr algn="ctr"/>
+              <a:endParaRPr lang="en-US"/>
+            </a:p>
+          </p:txBody>
+        </p:sp>
+        <p:sp>
+          <p:nvSpPr>
+            <p:cNvPr id="218" name="Rectangle 2">
+              <a:extLst>
+                <a:ext uri="{FF2B5EF4-FFF2-40B4-BE49-F238E27FC236}">
+                  <a16:creationId xmlns:a16="http://schemas.microsoft.com/office/drawing/2014/main" id="{8439ECF2-87F1-4479-8160-DA8B77521D00}"/>
+                </a:ext>
+                <a:ext uri="{C183D7F6-B498-43B3-948B-1728B52AA6E4}">
+                  <adec:decorative xmlns:adec="http://schemas.microsoft.com/office/drawing/2017/decorative" val="1"/>
+                </a:ext>
+              </a:extLst>
+            </p:cNvPr>
+            <p:cNvSpPr/>
+            <p:nvPr>
+              <p:extLst>
+                <p:ext uri="{386F3935-93C4-4BCD-93E2-E3B085C9AB24}">
+                  <p16:designElem xmlns:p16="http://schemas.microsoft.com/office/powerpoint/2015/main" val="1"/>
+                </p:ext>
+              </p:extLst>
+            </p:nvPr>
+          </p:nvSpPr>
+          <p:spPr>
+            <a:xfrm rot="5400000">
+              <a:off x="228600" y="4658655"/>
+              <a:ext cx="61834" cy="59227"/>
+            </a:xfrm>
+            <a:prstGeom prst="ellipse">
+              <a:avLst/>
+            </a:prstGeom>
+            <a:solidFill>
+              <a:schemeClr val="accent1"/>
+            </a:solidFill>
+            <a:ln>
+              <a:noFill/>
+            </a:ln>
+          </p:spPr>
+          <p:style>
+            <a:lnRef idx="2">
+              <a:schemeClr val="accent1">
+                <a:shade val="50000"/>
+              </a:schemeClr>
+            </a:lnRef>
+            <a:fillRef idx="1">
+              <a:schemeClr val="accent1"/>
+            </a:fillRef>
+            <a:effectRef idx="0">
+              <a:schemeClr val="accent1"/>
+            </a:effectRef>
+            <a:fontRef idx="minor">
+              <a:schemeClr val="lt1"/>
+            </a:fontRef>
+          </p:style>
+          <p:txBody>
+            <a:bodyPr rtlCol="0" anchor="ctr"/>
+            <a:lstStyle/>
+            <a:p>
+              <a:pPr algn="ctr"/>
+              <a:endParaRPr lang="en-US"/>
+            </a:p>
+          </p:txBody>
+        </p:sp>
+        <p:sp>
+          <p:nvSpPr>
+            <p:cNvPr id="219" name="Rectangle 59">
+              <a:extLst>
+                <a:ext uri="{FF2B5EF4-FFF2-40B4-BE49-F238E27FC236}">
+                  <a16:creationId xmlns:a16="http://schemas.microsoft.com/office/drawing/2014/main" id="{22FCAC62-2853-4BB9-821A-B35D82711D21}"/>
+                </a:ext>
+                <a:ext uri="{C183D7F6-B498-43B3-948B-1728B52AA6E4}">
+                  <adec:decorative xmlns:adec="http://schemas.microsoft.com/office/drawing/2017/decorative" val="1"/>
+                </a:ext>
+              </a:extLst>
+            </p:cNvPr>
+            <p:cNvSpPr/>
+            <p:nvPr>
+              <p:extLst>
+                <p:ext uri="{386F3935-93C4-4BCD-93E2-E3B085C9AB24}">
+                  <p16:designElem xmlns:p16="http://schemas.microsoft.com/office/powerpoint/2015/main" val="1"/>
+                </p:ext>
+              </p:extLst>
+            </p:nvPr>
+          </p:nvSpPr>
+          <p:spPr>
+            <a:xfrm rot="5400000">
+              <a:off x="54864" y="4658655"/>
+              <a:ext cx="61834" cy="59227"/>
+            </a:xfrm>
+            <a:prstGeom prst="ellipse">
+              <a:avLst/>
+            </a:prstGeom>
+            <a:solidFill>
+              <a:schemeClr val="accent1"/>
+            </a:solidFill>
+            <a:ln>
+              <a:noFill/>
+            </a:ln>
+          </p:spPr>
+          <p:style>
+            <a:lnRef idx="2">
+              <a:schemeClr val="accent1">
+                <a:shade val="50000"/>
+              </a:schemeClr>
+            </a:lnRef>
+            <a:fillRef idx="1">
+              <a:schemeClr val="accent1"/>
+            </a:fillRef>
+            <a:effectRef idx="0">
+              <a:schemeClr val="accent1"/>
+            </a:effectRef>
+            <a:fontRef idx="minor">
+              <a:schemeClr val="lt1"/>
+            </a:fontRef>
+          </p:style>
+          <p:txBody>
+            <a:bodyPr rtlCol="0" anchor="ctr"/>
+            <a:lstStyle/>
+            <a:p>
+              <a:pPr algn="ctr"/>
+              <a:endParaRPr lang="en-US"/>
+            </a:p>
+          </p:txBody>
+        </p:sp>
+        <p:sp>
+          <p:nvSpPr>
+            <p:cNvPr id="220" name="Rectangle 2">
+              <a:extLst>
+                <a:ext uri="{FF2B5EF4-FFF2-40B4-BE49-F238E27FC236}">
+                  <a16:creationId xmlns:a16="http://schemas.microsoft.com/office/drawing/2014/main" id="{4171D37A-2BC1-4D74-B0D0-EF8085585D60}"/>
+                </a:ext>
+                <a:ext uri="{C183D7F6-B498-43B3-948B-1728B52AA6E4}">
+                  <adec:decorative xmlns:adec="http://schemas.microsoft.com/office/drawing/2017/decorative" val="1"/>
+                </a:ext>
+              </a:extLst>
+            </p:cNvPr>
+            <p:cNvSpPr/>
+            <p:nvPr>
+              <p:extLst>
+                <p:ext uri="{386F3935-93C4-4BCD-93E2-E3B085C9AB24}">
+                  <p16:designElem xmlns:p16="http://schemas.microsoft.com/office/powerpoint/2015/main" val="1"/>
+                </p:ext>
+              </p:extLst>
+            </p:nvPr>
+          </p:nvSpPr>
+          <p:spPr>
+            <a:xfrm rot="5400000">
+              <a:off x="228600" y="4516541"/>
+              <a:ext cx="61834" cy="59227"/>
+            </a:xfrm>
+            <a:prstGeom prst="ellipse">
+              <a:avLst/>
+            </a:prstGeom>
+            <a:solidFill>
+              <a:schemeClr val="accent1"/>
+            </a:solidFill>
+            <a:ln>
+              <a:noFill/>
+            </a:ln>
+          </p:spPr>
+          <p:style>
+            <a:lnRef idx="2">
+              <a:schemeClr val="accent1">
+                <a:shade val="50000"/>
+              </a:schemeClr>
+            </a:lnRef>
+            <a:fillRef idx="1">
+              <a:schemeClr val="accent1"/>
+            </a:fillRef>
+            <a:effectRef idx="0">
+              <a:schemeClr val="accent1"/>
+            </a:effectRef>
+            <a:fontRef idx="minor">
+              <a:schemeClr val="lt1"/>
+            </a:fontRef>
+          </p:style>
+          <p:txBody>
+            <a:bodyPr rtlCol="0" anchor="ctr"/>
+            <a:lstStyle/>
+            <a:p>
+              <a:pPr algn="ctr"/>
+              <a:endParaRPr lang="en-US"/>
+            </a:p>
+          </p:txBody>
+        </p:sp>
+        <p:sp>
+          <p:nvSpPr>
+            <p:cNvPr id="221" name="Rectangle 59">
+              <a:extLst>
+                <a:ext uri="{FF2B5EF4-FFF2-40B4-BE49-F238E27FC236}">
+                  <a16:creationId xmlns:a16="http://schemas.microsoft.com/office/drawing/2014/main" id="{74592CFA-A10D-4271-B09B-3953945ECA08}"/>
+                </a:ext>
+                <a:ext uri="{C183D7F6-B498-43B3-948B-1728B52AA6E4}">
+                  <adec:decorative xmlns:adec="http://schemas.microsoft.com/office/drawing/2017/decorative" val="1"/>
+                </a:ext>
+              </a:extLst>
+            </p:cNvPr>
+            <p:cNvSpPr/>
+            <p:nvPr>
+              <p:extLst>
+                <p:ext uri="{386F3935-93C4-4BCD-93E2-E3B085C9AB24}">
+                  <p16:designElem xmlns:p16="http://schemas.microsoft.com/office/powerpoint/2015/main" val="1"/>
+                </p:ext>
+              </p:extLst>
+            </p:nvPr>
+          </p:nvSpPr>
+          <p:spPr>
+            <a:xfrm rot="5400000">
+              <a:off x="54864" y="4516541"/>
+              <a:ext cx="61834" cy="59227"/>
+            </a:xfrm>
+            <a:prstGeom prst="ellipse">
+              <a:avLst/>
+            </a:prstGeom>
+            <a:solidFill>
+              <a:schemeClr val="accent1"/>
+            </a:solidFill>
+            <a:ln>
+              <a:noFill/>
+            </a:ln>
+          </p:spPr>
+          <p:style>
+            <a:lnRef idx="2">
+              <a:schemeClr val="accent1">
+                <a:shade val="50000"/>
+              </a:schemeClr>
+            </a:lnRef>
+            <a:fillRef idx="1">
+              <a:schemeClr val="accent1"/>
+            </a:fillRef>
+            <a:effectRef idx="0">
+              <a:schemeClr val="accent1"/>
+            </a:effectRef>
+            <a:fontRef idx="minor">
+              <a:schemeClr val="lt1"/>
+            </a:fontRef>
+          </p:style>
+          <p:txBody>
+            <a:bodyPr rtlCol="0" anchor="ctr"/>
+            <a:lstStyle/>
+            <a:p>
+              <a:pPr algn="ctr"/>
+              <a:endParaRPr lang="en-US"/>
+            </a:p>
+          </p:txBody>
+        </p:sp>
+        <p:sp>
+          <p:nvSpPr>
+            <p:cNvPr id="222" name="Rectangle 2">
+              <a:extLst>
+                <a:ext uri="{FF2B5EF4-FFF2-40B4-BE49-F238E27FC236}">
+                  <a16:creationId xmlns:a16="http://schemas.microsoft.com/office/drawing/2014/main" id="{C1EE4875-BC43-47A1-A231-7DB60D65AE3F}"/>
+                </a:ext>
+                <a:ext uri="{C183D7F6-B498-43B3-948B-1728B52AA6E4}">
+                  <adec:decorative xmlns:adec="http://schemas.microsoft.com/office/drawing/2017/decorative" val="1"/>
+                </a:ext>
+              </a:extLst>
+            </p:cNvPr>
+            <p:cNvSpPr/>
+            <p:nvPr>
+              <p:extLst>
+                <p:ext uri="{386F3935-93C4-4BCD-93E2-E3B085C9AB24}">
+                  <p16:designElem xmlns:p16="http://schemas.microsoft.com/office/powerpoint/2015/main" val="1"/>
+                </p:ext>
+              </p:extLst>
+            </p:nvPr>
+          </p:nvSpPr>
+          <p:spPr>
+            <a:xfrm rot="5400000">
+              <a:off x="228600" y="4374427"/>
+              <a:ext cx="61834" cy="59227"/>
+            </a:xfrm>
+            <a:prstGeom prst="ellipse">
+              <a:avLst/>
+            </a:prstGeom>
+            <a:solidFill>
+              <a:schemeClr val="accent1"/>
+            </a:solidFill>
+            <a:ln>
+              <a:noFill/>
+            </a:ln>
+          </p:spPr>
+          <p:style>
+            <a:lnRef idx="2">
+              <a:schemeClr val="accent1">
+                <a:shade val="50000"/>
+              </a:schemeClr>
+            </a:lnRef>
+            <a:fillRef idx="1">
+              <a:schemeClr val="accent1"/>
+            </a:fillRef>
+            <a:effectRef idx="0">
+              <a:schemeClr val="accent1"/>
+            </a:effectRef>
+            <a:fontRef idx="minor">
+              <a:schemeClr val="lt1"/>
+            </a:fontRef>
+          </p:style>
+          <p:txBody>
+            <a:bodyPr rtlCol="0" anchor="ctr"/>
+            <a:lstStyle/>
+            <a:p>
+              <a:pPr algn="ctr"/>
+              <a:endParaRPr lang="en-US"/>
+            </a:p>
+          </p:txBody>
+        </p:sp>
+        <p:sp>
+          <p:nvSpPr>
+            <p:cNvPr id="223" name="Rectangle 59">
+              <a:extLst>
+                <a:ext uri="{FF2B5EF4-FFF2-40B4-BE49-F238E27FC236}">
+                  <a16:creationId xmlns:a16="http://schemas.microsoft.com/office/drawing/2014/main" id="{BB0DEBF7-8393-43E3-9F85-9600E30C0FF4}"/>
+                </a:ext>
+                <a:ext uri="{C183D7F6-B498-43B3-948B-1728B52AA6E4}">
+                  <adec:decorative xmlns:adec="http://schemas.microsoft.com/office/drawing/2017/decorative" val="1"/>
+                </a:ext>
+              </a:extLst>
+            </p:cNvPr>
+            <p:cNvSpPr/>
+            <p:nvPr>
+              <p:extLst>
+                <p:ext uri="{386F3935-93C4-4BCD-93E2-E3B085C9AB24}">
+                  <p16:designElem xmlns:p16="http://schemas.microsoft.com/office/powerpoint/2015/main" val="1"/>
+                </p:ext>
+              </p:extLst>
+            </p:nvPr>
+          </p:nvSpPr>
+          <p:spPr>
+            <a:xfrm rot="5400000">
+              <a:off x="54864" y="4374427"/>
+              <a:ext cx="61834" cy="59227"/>
+            </a:xfrm>
+            <a:prstGeom prst="ellipse">
+              <a:avLst/>
+            </a:prstGeom>
+            <a:solidFill>
+              <a:schemeClr val="accent1"/>
+            </a:solidFill>
+            <a:ln>
+              <a:noFill/>
+            </a:ln>
+          </p:spPr>
+          <p:style>
+            <a:lnRef idx="2">
+              <a:schemeClr val="accent1">
+                <a:shade val="50000"/>
+              </a:schemeClr>
+            </a:lnRef>
+            <a:fillRef idx="1">
+              <a:schemeClr val="accent1"/>
+            </a:fillRef>
+            <a:effectRef idx="0">
+              <a:schemeClr val="accent1"/>
+            </a:effectRef>
+            <a:fontRef idx="minor">
+              <a:schemeClr val="lt1"/>
+            </a:fontRef>
+          </p:style>
+          <p:txBody>
+            <a:bodyPr rtlCol="0" anchor="ctr"/>
+            <a:lstStyle/>
+            <a:p>
+              <a:pPr algn="ctr"/>
+              <a:endParaRPr lang="en-US"/>
+            </a:p>
+          </p:txBody>
+        </p:sp>
+        <p:sp>
+          <p:nvSpPr>
+            <p:cNvPr id="224" name="Rectangle 2">
+              <a:extLst>
+                <a:ext uri="{FF2B5EF4-FFF2-40B4-BE49-F238E27FC236}">
+                  <a16:creationId xmlns:a16="http://schemas.microsoft.com/office/drawing/2014/main" id="{8AE3C7EC-E103-4733-865E-ACB37381061C}"/>
+                </a:ext>
+                <a:ext uri="{C183D7F6-B498-43B3-948B-1728B52AA6E4}">
+                  <adec:decorative xmlns:adec="http://schemas.microsoft.com/office/drawing/2017/decorative" val="1"/>
+                </a:ext>
+              </a:extLst>
+            </p:cNvPr>
+            <p:cNvSpPr/>
+            <p:nvPr>
+              <p:extLst>
+                <p:ext uri="{386F3935-93C4-4BCD-93E2-E3B085C9AB24}">
+                  <p16:designElem xmlns:p16="http://schemas.microsoft.com/office/powerpoint/2015/main" val="1"/>
+                </p:ext>
+              </p:extLst>
+            </p:nvPr>
+          </p:nvSpPr>
+          <p:spPr>
+            <a:xfrm rot="5400000">
+              <a:off x="228600" y="4232313"/>
+              <a:ext cx="61834" cy="59227"/>
+            </a:xfrm>
+            <a:prstGeom prst="ellipse">
+              <a:avLst/>
+            </a:prstGeom>
+            <a:solidFill>
+              <a:schemeClr val="accent1"/>
+            </a:solidFill>
+            <a:ln>
+              <a:noFill/>
+            </a:ln>
+          </p:spPr>
+          <p:style>
+            <a:lnRef idx="2">
+              <a:schemeClr val="accent1">
+                <a:shade val="50000"/>
+              </a:schemeClr>
+            </a:lnRef>
+            <a:fillRef idx="1">
+              <a:schemeClr val="accent1"/>
+            </a:fillRef>
+            <a:effectRef idx="0">
+              <a:schemeClr val="accent1"/>
+            </a:effectRef>
+            <a:fontRef idx="minor">
+              <a:schemeClr val="lt1"/>
+            </a:fontRef>
+          </p:style>
+          <p:txBody>
+            <a:bodyPr rtlCol="0" anchor="ctr"/>
+            <a:lstStyle/>
+            <a:p>
+              <a:pPr algn="ctr"/>
+              <a:endParaRPr lang="en-US"/>
+            </a:p>
+          </p:txBody>
+        </p:sp>
+        <p:sp>
+          <p:nvSpPr>
+            <p:cNvPr id="225" name="Rectangle 59">
+              <a:extLst>
+                <a:ext uri="{FF2B5EF4-FFF2-40B4-BE49-F238E27FC236}">
+                  <a16:creationId xmlns:a16="http://schemas.microsoft.com/office/drawing/2014/main" id="{39C04A96-304C-4837-9FC3-91D7ADC9C4A7}"/>
+                </a:ext>
+                <a:ext uri="{C183D7F6-B498-43B3-948B-1728B52AA6E4}">
+                  <adec:decorative xmlns:adec="http://schemas.microsoft.com/office/drawing/2017/decorative" val="1"/>
+                </a:ext>
+              </a:extLst>
+            </p:cNvPr>
+            <p:cNvSpPr/>
+            <p:nvPr>
+              <p:extLst>
+                <p:ext uri="{386F3935-93C4-4BCD-93E2-E3B085C9AB24}">
+                  <p16:designElem xmlns:p16="http://schemas.microsoft.com/office/powerpoint/2015/main" val="1"/>
+                </p:ext>
+              </p:extLst>
+            </p:nvPr>
+          </p:nvSpPr>
+          <p:spPr>
+            <a:xfrm rot="5400000">
+              <a:off x="54864" y="4232313"/>
+              <a:ext cx="61834" cy="59227"/>
+            </a:xfrm>
+            <a:prstGeom prst="ellipse">
+              <a:avLst/>
+            </a:prstGeom>
+            <a:solidFill>
+              <a:schemeClr val="accent1"/>
+            </a:solidFill>
+            <a:ln>
+              <a:noFill/>
+            </a:ln>
+          </p:spPr>
+          <p:style>
+            <a:lnRef idx="2">
+              <a:schemeClr val="accent1">
+                <a:shade val="50000"/>
+              </a:schemeClr>
+            </a:lnRef>
+            <a:fillRef idx="1">
+              <a:schemeClr val="accent1"/>
+            </a:fillRef>
+            <a:effectRef idx="0">
+              <a:schemeClr val="accent1"/>
+            </a:effectRef>
+            <a:fontRef idx="minor">
+              <a:schemeClr val="lt1"/>
+            </a:fontRef>
+          </p:style>
+          <p:txBody>
+            <a:bodyPr rtlCol="0" anchor="ctr"/>
+            <a:lstStyle/>
+            <a:p>
+              <a:pPr algn="ctr"/>
+              <a:endParaRPr lang="en-US"/>
+            </a:p>
+          </p:txBody>
+        </p:sp>
+      </p:grpSp>
+      <p:sp>
+        <p:nvSpPr>
+          <p:cNvPr id="227" name="Rectangle 226">
+            <a:extLst>
+              <a:ext uri="{FF2B5EF4-FFF2-40B4-BE49-F238E27FC236}">
+                <a16:creationId xmlns:a16="http://schemas.microsoft.com/office/drawing/2014/main" id="{E3E51905-F374-4E1A-97CF-B741584B74D5}"/>
               </a:ext>
               <a:ext uri="{C183D7F6-B498-43B3-948B-1728B52AA6E4}">
                 <adec:decorative xmlns:adec="http://schemas.microsoft.com/office/drawing/2017/decorative" val="1"/>
@@ -20942,29 +21300,16 @@
           </p:nvPr>
         </p:nvSpPr>
         <p:spPr>
-          <a:xfrm flipH="1">
-            <a:off x="-4" y="6408742"/>
-            <a:ext cx="8115300" cy="449258"/>
+          <a:xfrm>
+            <a:off x="0" y="6501384"/>
+            <a:ext cx="5852160" cy="356616"/>
           </a:xfrm>
           <a:prstGeom prst="rect">
             <a:avLst/>
           </a:prstGeom>
-          <a:gradFill>
-            <a:gsLst>
-              <a:gs pos="28000">
-                <a:schemeClr val="accent1">
-                  <a:lumMod val="75000"/>
-                  <a:alpha val="59000"/>
-                </a:schemeClr>
-              </a:gs>
-              <a:gs pos="100000">
-                <a:srgbClr val="000000">
-                  <a:alpha val="70000"/>
-                </a:srgbClr>
-              </a:gs>
-            </a:gsLst>
-            <a:lin ang="11400000" scaled="0"/>
-          </a:gradFill>
+          <a:solidFill>
+            <a:schemeClr val="accent1"/>
+          </a:solidFill>
           <a:ln>
             <a:noFill/>
           </a:ln>
@@ -20994,22 +21339,58 @@
           </a:p>
         </p:txBody>
       </p:sp>
+      <p:pic>
+        <p:nvPicPr>
+          <p:cNvPr id="35" name="Picture 34">
+            <a:extLst>
+              <a:ext uri="{FF2B5EF4-FFF2-40B4-BE49-F238E27FC236}">
+                <a16:creationId xmlns:a16="http://schemas.microsoft.com/office/drawing/2014/main" id="{803983CC-CD1D-4314-A965-0A5AD4CD76A9}"/>
+              </a:ext>
+            </a:extLst>
+          </p:cNvPr>
+          <p:cNvPicPr>
+            <a:picLocks noChangeAspect="1"/>
+          </p:cNvPicPr>
+          <p:nvPr/>
+        </p:nvPicPr>
+        <p:blipFill>
+          <a:blip r:embed="rId3">
+            <a:extLst>
+              <a:ext uri="{28A0092B-C50C-407E-A947-70E740481C1C}">
+                <a14:useLocalDpi xmlns:a14="http://schemas.microsoft.com/office/drawing/2010/main" val="0"/>
+              </a:ext>
+            </a:extLst>
+          </a:blip>
+          <a:stretch>
+            <a:fillRect/>
+          </a:stretch>
+        </p:blipFill>
+        <p:spPr bwMode="auto">
+          <a:xfrm>
+            <a:off x="5698971" y="4987013"/>
+            <a:ext cx="6268616" cy="1383642"/>
+          </a:xfrm>
+          <a:prstGeom prst="rect">
+            <a:avLst/>
+          </a:prstGeom>
+        </p:spPr>
+      </p:pic>
     </p:spTree>
     <p:extLst>
       <p:ext uri="{BB962C8B-B14F-4D97-AF65-F5344CB8AC3E}">
-        <p14:creationId xmlns:p14="http://schemas.microsoft.com/office/powerpoint/2010/main" val="3459576965"/>
+        <p14:creationId xmlns:p14="http://schemas.microsoft.com/office/powerpoint/2010/main" val="3093942637"/>
       </p:ext>
     </p:extLst>
   </p:cSld>
   <p:clrMapOvr>
     <a:masterClrMapping/>
   </p:clrMapOvr>
-  <mc:AlternateContent xmlns:mc="http://schemas.openxmlformats.org/markup-compatibility/2006" xmlns:p14="http://schemas.microsoft.com/office/powerpoint/2010/main">
-    <mc:Choice Requires="p14">
-      <p:transition spd="slow" p14:dur="2000" advTm="30961"/>
+  <mc:AlternateContent xmlns:mc="http://schemas.openxmlformats.org/markup-compatibility/2006">
+    <mc:Choice xmlns:p14="http://schemas.microsoft.com/office/powerpoint/2010/main" Requires="p14">
+      <p:transition spd="slow" p14:dur="2000" advTm="36534"/>
     </mc:Choice>
-    <mc:Fallback xmlns="">
-      <p:transition spd="slow" advTm="30961"/>
+    <mc:Fallback>
+      <p:transition spd="slow" advTm="36534"/>
     </mc:Fallback>
   </mc:AlternateContent>
 </p:sld>
